--- a/analgesia/predictor/artifacts/Analgesia_Prediction_Summary.pptx
+++ b/analgesia/predictor/artifacts/Analgesia_Prediction_Summary.pptx
@@ -12,6 +12,12 @@
     <p:sldId id="260" r:id="rId11"/>
     <p:sldId id="261" r:id="rId12"/>
     <p:sldId id="262" r:id="rId13"/>
+    <p:sldId id="263" r:id="rId14"/>
+    <p:sldId id="264" r:id="rId15"/>
+    <p:sldId id="265" r:id="rId16"/>
+    <p:sldId id="266" r:id="rId17"/>
+    <p:sldId id="267" r:id="rId18"/>
+    <p:sldId id="268" r:id="rId19"/>
   </p:sldIdLst>
   <p:sldSz cx="9144000" cy="6858000" type="screen4x3"/>
   <p:notesSz cx="6858000" cy="9144000"/>
@@ -3110,7 +3116,7 @@
           <a:lstStyle/>
           <a:p>
             <a:r>
-              <a:t>Analgesia Prediction Tool</a:t>
+              <a:t>Analgesia Predictor Summary</a:t>
             </a:r>
           </a:p>
         </p:txBody>
@@ -3131,16 +3137,263 @@
           <a:lstStyle/>
           <a:p>
             <a:r>
-              <a:t>Methods &amp; Results Summary</a:t>
-            </a:r>
-          </a:p>
-          <a:p>
-            <a:r>
-              <a:t>Generated 2025-10-04</a:t>
-            </a:r>
-          </a:p>
-        </p:txBody>
-      </p:sp>
+              <a:t>Updated preprocessing, metrics, and figures</a:t>
+            </a:r>
+          </a:p>
+        </p:txBody>
+      </p:sp>
+    </p:spTree>
+  </p:cSld>
+  <p:clrMapOvr>
+    <a:masterClrMapping/>
+  </p:clrMapOvr>
+</p:sld>
+</file>
+
+<file path=ppt/slides/slide10.xml><?xml version="1.0" encoding="utf-8"?>
+<p:sld xmlns:a="http://schemas.openxmlformats.org/drawingml/2006/main" xmlns:p="http://schemas.openxmlformats.org/presentationml/2006/main" xmlns:r="http://schemas.openxmlformats.org/officeDocument/2006/relationships">
+  <p:cSld>
+    <p:spTree>
+      <p:nvGrpSpPr>
+        <p:cNvPr id="1" name=""/>
+        <p:cNvGrpSpPr/>
+        <p:nvPr/>
+      </p:nvGrpSpPr>
+      <p:grpSpPr/>
+      <p:sp>
+        <p:nvSpPr>
+          <p:cNvPr id="2" name="Title 1"/>
+          <p:cNvSpPr>
+            <a:spLocks noGrp="1"/>
+          </p:cNvSpPr>
+          <p:nvPr>
+            <p:ph type="title"/>
+          </p:nvPr>
+        </p:nvSpPr>
+        <p:spPr/>
+        <p:txBody>
+          <a:bodyPr/>
+          <a:lstStyle/>
+          <a:p>
+            <a:r>
+              <a:t>Logistic Regression – Top Positive Coefficients</a:t>
+            </a:r>
+          </a:p>
+        </p:txBody>
+      </p:sp>
+      <p:pic>
+        <p:nvPicPr>
+          <p:cNvPr id="3" name="Picture 2" descr="logistic_top_positive.png"/>
+          <p:cNvPicPr>
+            <a:picLocks noChangeAspect="1"/>
+          </p:cNvPicPr>
+          <p:nvPr/>
+        </p:nvPicPr>
+        <p:blipFill>
+          <a:blip r:embed="rId2"/>
+          <a:stretch>
+            <a:fillRect/>
+          </a:stretch>
+        </p:blipFill>
+        <p:spPr>
+          <a:xfrm>
+            <a:off x="685800" y="1097280"/>
+            <a:ext cx="7772400" cy="5551714"/>
+          </a:xfrm>
+          <a:prstGeom prst="rect">
+            <a:avLst/>
+          </a:prstGeom>
+        </p:spPr>
+      </p:pic>
+    </p:spTree>
+  </p:cSld>
+  <p:clrMapOvr>
+    <a:masterClrMapping/>
+  </p:clrMapOvr>
+</p:sld>
+</file>
+
+<file path=ppt/slides/slide11.xml><?xml version="1.0" encoding="utf-8"?>
+<p:sld xmlns:a="http://schemas.openxmlformats.org/drawingml/2006/main" xmlns:p="http://schemas.openxmlformats.org/presentationml/2006/main" xmlns:r="http://schemas.openxmlformats.org/officeDocument/2006/relationships">
+  <p:cSld>
+    <p:spTree>
+      <p:nvGrpSpPr>
+        <p:cNvPr id="1" name=""/>
+        <p:cNvGrpSpPr/>
+        <p:nvPr/>
+      </p:nvGrpSpPr>
+      <p:grpSpPr/>
+      <p:sp>
+        <p:nvSpPr>
+          <p:cNvPr id="2" name="Title 1"/>
+          <p:cNvSpPr>
+            <a:spLocks noGrp="1"/>
+          </p:cNvSpPr>
+          <p:nvPr>
+            <p:ph type="title"/>
+          </p:nvPr>
+        </p:nvSpPr>
+        <p:spPr/>
+        <p:txBody>
+          <a:bodyPr/>
+          <a:lstStyle/>
+          <a:p>
+            <a:r>
+              <a:t>Logistic Regression – Top Negative Coefficients</a:t>
+            </a:r>
+          </a:p>
+        </p:txBody>
+      </p:sp>
+      <p:pic>
+        <p:nvPicPr>
+          <p:cNvPr id="3" name="Picture 2" descr="logistic_top_negative.png"/>
+          <p:cNvPicPr>
+            <a:picLocks noChangeAspect="1"/>
+          </p:cNvPicPr>
+          <p:nvPr/>
+        </p:nvPicPr>
+        <p:blipFill>
+          <a:blip r:embed="rId2"/>
+          <a:stretch>
+            <a:fillRect/>
+          </a:stretch>
+        </p:blipFill>
+        <p:spPr>
+          <a:xfrm>
+            <a:off x="685800" y="1097280"/>
+            <a:ext cx="7772400" cy="5551714"/>
+          </a:xfrm>
+          <a:prstGeom prst="rect">
+            <a:avLst/>
+          </a:prstGeom>
+        </p:spPr>
+      </p:pic>
+    </p:spTree>
+  </p:cSld>
+  <p:clrMapOvr>
+    <a:masterClrMapping/>
+  </p:clrMapOvr>
+</p:sld>
+</file>
+
+<file path=ppt/slides/slide12.xml><?xml version="1.0" encoding="utf-8"?>
+<p:sld xmlns:a="http://schemas.openxmlformats.org/drawingml/2006/main" xmlns:p="http://schemas.openxmlformats.org/presentationml/2006/main" xmlns:r="http://schemas.openxmlformats.org/officeDocument/2006/relationships">
+  <p:cSld>
+    <p:spTree>
+      <p:nvGrpSpPr>
+        <p:cNvPr id="1" name=""/>
+        <p:cNvGrpSpPr/>
+        <p:nvPr/>
+      </p:nvGrpSpPr>
+      <p:grpSpPr/>
+      <p:sp>
+        <p:nvSpPr>
+          <p:cNvPr id="2" name="Title 1"/>
+          <p:cNvSpPr>
+            <a:spLocks noGrp="1"/>
+          </p:cNvSpPr>
+          <p:nvPr>
+            <p:ph type="title"/>
+          </p:nvPr>
+        </p:nvSpPr>
+        <p:spPr/>
+        <p:txBody>
+          <a:bodyPr/>
+          <a:lstStyle/>
+          <a:p>
+            <a:r>
+              <a:t>Logistic Regression – Largest Absolute Effects</a:t>
+            </a:r>
+          </a:p>
+        </p:txBody>
+      </p:sp>
+      <p:pic>
+        <p:nvPicPr>
+          <p:cNvPr id="3" name="Picture 2" descr="logistic_top_magnitude.png"/>
+          <p:cNvPicPr>
+            <a:picLocks noChangeAspect="1"/>
+          </p:cNvPicPr>
+          <p:nvPr/>
+        </p:nvPicPr>
+        <p:blipFill>
+          <a:blip r:embed="rId2"/>
+          <a:stretch>
+            <a:fillRect/>
+          </a:stretch>
+        </p:blipFill>
+        <p:spPr>
+          <a:xfrm>
+            <a:off x="685800" y="1097280"/>
+            <a:ext cx="7772400" cy="5551714"/>
+          </a:xfrm>
+          <a:prstGeom prst="rect">
+            <a:avLst/>
+          </a:prstGeom>
+        </p:spPr>
+      </p:pic>
+    </p:spTree>
+  </p:cSld>
+  <p:clrMapOvr>
+    <a:masterClrMapping/>
+  </p:clrMapOvr>
+</p:sld>
+</file>
+
+<file path=ppt/slides/slide13.xml><?xml version="1.0" encoding="utf-8"?>
+<p:sld xmlns:a="http://schemas.openxmlformats.org/drawingml/2006/main" xmlns:p="http://schemas.openxmlformats.org/presentationml/2006/main" xmlns:r="http://schemas.openxmlformats.org/officeDocument/2006/relationships">
+  <p:cSld>
+    <p:spTree>
+      <p:nvGrpSpPr>
+        <p:cNvPr id="1" name=""/>
+        <p:cNvGrpSpPr/>
+        <p:nvPr/>
+      </p:nvGrpSpPr>
+      <p:grpSpPr/>
+      <p:sp>
+        <p:nvSpPr>
+          <p:cNvPr id="2" name="Title 1"/>
+          <p:cNvSpPr>
+            <a:spLocks noGrp="1"/>
+          </p:cNvSpPr>
+          <p:nvPr>
+            <p:ph type="title"/>
+          </p:nvPr>
+        </p:nvSpPr>
+        <p:spPr/>
+        <p:txBody>
+          <a:bodyPr/>
+          <a:lstStyle/>
+          <a:p>
+            <a:r>
+              <a:t>XGBoost Feature Importances</a:t>
+            </a:r>
+          </a:p>
+        </p:txBody>
+      </p:sp>
+      <p:pic>
+        <p:nvPicPr>
+          <p:cNvPr id="3" name="Picture 2" descr="xgboost_feature_importance.png"/>
+          <p:cNvPicPr>
+            <a:picLocks noChangeAspect="1"/>
+          </p:cNvPicPr>
+          <p:nvPr/>
+        </p:nvPicPr>
+        <p:blipFill>
+          <a:blip r:embed="rId2"/>
+          <a:stretch>
+            <a:fillRect/>
+          </a:stretch>
+        </p:blipFill>
+        <p:spPr>
+          <a:xfrm>
+            <a:off x="685800" y="1097280"/>
+            <a:ext cx="7772400" cy="5551714"/>
+          </a:xfrm>
+          <a:prstGeom prst="rect">
+            <a:avLst/>
+          </a:prstGeom>
+        </p:spPr>
+      </p:pic>
     </p:spTree>
   </p:cSld>
   <p:clrMapOvr>
@@ -3175,48 +3428,435 @@
           <a:lstStyle/>
           <a:p>
             <a:r>
-              <a:t>Cohort Overview</a:t>
-            </a:r>
-          </a:p>
-        </p:txBody>
-      </p:sp>
-      <p:sp>
-        <p:nvSpPr>
-          <p:cNvPr id="3" name="Content Placeholder 2"/>
-          <p:cNvSpPr>
-            <a:spLocks noGrp="1"/>
-          </p:cNvSpPr>
-          <p:nvPr>
-            <p:ph idx="1"/>
-          </p:nvPr>
-        </p:nvSpPr>
-        <p:spPr/>
-        <p:txBody>
-          <a:bodyPr/>
-          <a:lstStyle/>
-          <a:p/>
-          <a:p>
-            <a:r>
-              <a:t>Total missions available: 12,269</a:t>
-            </a:r>
-          </a:p>
-          <a:p>
-            <a:r>
-              <a:t>Filtered adult primary trauma missions: 5,208</a:t>
-            </a:r>
-          </a:p>
-          <a:p>
-            <a:r>
-              <a:t>Outcome prevalence (VAS_on_arrival &gt; 3): 1,685 / 5,208 (32.4%)</a:t>
-            </a:r>
-          </a:p>
-          <a:p>
-            <a:r>
-              <a:t>Training 3,332 (32.4%) | Validation 834 (32.4%) | Testing 1,042 (32.3%)</a:t>
-            </a:r>
-          </a:p>
-        </p:txBody>
-      </p:sp>
+              <a:t>Split Characteristics (Table 1)</a:t>
+            </a:r>
+          </a:p>
+        </p:txBody>
+      </p:sp>
+      <p:graphicFrame>
+        <p:nvGraphicFramePr>
+          <p:cNvPr id="3" name="Table 2"/>
+          <p:cNvGraphicFramePr>
+            <a:graphicFrameLocks noGrp="1"/>
+          </p:cNvGraphicFramePr>
+          <p:nvPr/>
+        </p:nvGraphicFramePr>
+        <p:xfrm>
+          <a:off x="457200" y="1371600"/>
+          <a:ext cx="8229600" cy="1554480"/>
+        </p:xfrm>
+        <a:graphic>
+          <a:graphicData uri="http://schemas.openxmlformats.org/drawingml/2006/table">
+            <a:tbl>
+              <a:tblPr firstRow="1" bandRow="1">
+                <a:tableStyleId>{5C22544A-7EE6-4342-B048-85BDC9FD1C3A}</a:tableStyleId>
+              </a:tblPr>
+              <a:tblGrid>
+                <a:gridCol w="1028700"/>
+                <a:gridCol w="1028700"/>
+                <a:gridCol w="1028700"/>
+                <a:gridCol w="1028700"/>
+                <a:gridCol w="1028700"/>
+                <a:gridCol w="1028700"/>
+                <a:gridCol w="1028700"/>
+                <a:gridCol w="1028700"/>
+              </a:tblGrid>
+              <a:tr h="388620">
+                <a:tc>
+                  <a:txBody>
+                    <a:bodyPr/>
+                    <a:lstStyle/>
+                    <a:p>
+                      <a:r>
+                        <a:t>Split</a:t>
+                      </a:r>
+                    </a:p>
+                  </a:txBody>
+                  <a:tcPr/>
+                </a:tc>
+                <a:tc>
+                  <a:txBody>
+                    <a:bodyPr/>
+                    <a:lstStyle/>
+                    <a:p>
+                      <a:r>
+                        <a:t>n</a:t>
+                      </a:r>
+                    </a:p>
+                  </a:txBody>
+                  <a:tcPr/>
+                </a:tc>
+                <a:tc>
+                  <a:txBody>
+                    <a:bodyPr/>
+                    <a:lstStyle/>
+                    <a:p>
+                      <a:r>
+                        <a:t>Outcome %</a:t>
+                      </a:r>
+                    </a:p>
+                  </a:txBody>
+                  <a:tcPr/>
+                </a:tc>
+                <a:tc>
+                  <a:txBody>
+                    <a:bodyPr/>
+                    <a:lstStyle/>
+                    <a:p>
+                      <a:r>
+                        <a:t>Age mean (SD)</a:t>
+                      </a:r>
+                    </a:p>
+                  </a:txBody>
+                  <a:tcPr/>
+                </a:tc>
+                <a:tc>
+                  <a:txBody>
+                    <a:bodyPr/>
+                    <a:lstStyle/>
+                    <a:p>
+                      <a:r>
+                        <a:t>Female patients %</a:t>
+                      </a:r>
+                    </a:p>
+                  </a:txBody>
+                  <a:tcPr/>
+                </a:tc>
+                <a:tc>
+                  <a:txBody>
+                    <a:bodyPr/>
+                    <a:lstStyle/>
+                    <a:p>
+                      <a:r>
+                        <a:t>Female physicians %</a:t>
+                      </a:r>
+                    </a:p>
+                  </a:txBody>
+                  <a:tcPr/>
+                </a:tc>
+                <a:tc>
+                  <a:txBody>
+                    <a:bodyPr/>
+                    <a:lstStyle/>
+                    <a:p>
+                      <a:r>
+                        <a:t>VAS_on_scene mean (SD)</a:t>
+                      </a:r>
+                    </a:p>
+                  </a:txBody>
+                  <a:tcPr/>
+                </a:tc>
+                <a:tc>
+                  <a:txBody>
+                    <a:bodyPr/>
+                    <a:lstStyle/>
+                    <a:p>
+                      <a:r>
+                        <a:t>NACA mean (SD)</a:t>
+                      </a:r>
+                    </a:p>
+                  </a:txBody>
+                  <a:tcPr/>
+                </a:tc>
+              </a:tr>
+              <a:tr h="388620">
+                <a:tc>
+                  <a:txBody>
+                    <a:bodyPr/>
+                    <a:lstStyle/>
+                    <a:p>
+                      <a:r>
+                        <a:t>Training</a:t>
+                      </a:r>
+                    </a:p>
+                  </a:txBody>
+                  <a:tcPr/>
+                </a:tc>
+                <a:tc>
+                  <a:txBody>
+                    <a:bodyPr/>
+                    <a:lstStyle/>
+                    <a:p>
+                      <a:r>
+                        <a:t>3307</a:t>
+                      </a:r>
+                    </a:p>
+                  </a:txBody>
+                  <a:tcPr/>
+                </a:tc>
+                <a:tc>
+                  <a:txBody>
+                    <a:bodyPr/>
+                    <a:lstStyle/>
+                    <a:p>
+                      <a:r>
+                        <a:t>32.2%</a:t>
+                      </a:r>
+                    </a:p>
+                  </a:txBody>
+                  <a:tcPr/>
+                </a:tc>
+                <a:tc>
+                  <a:txBody>
+                    <a:bodyPr/>
+                    <a:lstStyle/>
+                    <a:p>
+                      <a:r>
+                        <a:t>46.8 ± 19.4</a:t>
+                      </a:r>
+                    </a:p>
+                  </a:txBody>
+                  <a:tcPr/>
+                </a:tc>
+                <a:tc>
+                  <a:txBody>
+                    <a:bodyPr/>
+                    <a:lstStyle/>
+                    <a:p>
+                      <a:r>
+                        <a:t>39.6%</a:t>
+                      </a:r>
+                    </a:p>
+                  </a:txBody>
+                  <a:tcPr/>
+                </a:tc>
+                <a:tc>
+                  <a:txBody>
+                    <a:bodyPr/>
+                    <a:lstStyle/>
+                    <a:p>
+                      <a:r>
+                        <a:t>45.5%</a:t>
+                      </a:r>
+                    </a:p>
+                  </a:txBody>
+                  <a:tcPr/>
+                </a:tc>
+                <a:tc>
+                  <a:txBody>
+                    <a:bodyPr/>
+                    <a:lstStyle/>
+                    <a:p>
+                      <a:r>
+                        <a:t>6.9 ± 1.7</a:t>
+                      </a:r>
+                    </a:p>
+                  </a:txBody>
+                  <a:tcPr/>
+                </a:tc>
+                <a:tc>
+                  <a:txBody>
+                    <a:bodyPr/>
+                    <a:lstStyle/>
+                    <a:p>
+                      <a:r>
+                        <a:t>nan</a:t>
+                      </a:r>
+                    </a:p>
+                  </a:txBody>
+                  <a:tcPr/>
+                </a:tc>
+              </a:tr>
+              <a:tr h="388620">
+                <a:tc>
+                  <a:txBody>
+                    <a:bodyPr/>
+                    <a:lstStyle/>
+                    <a:p>
+                      <a:r>
+                        <a:t>Validation</a:t>
+                      </a:r>
+                    </a:p>
+                  </a:txBody>
+                  <a:tcPr/>
+                </a:tc>
+                <a:tc>
+                  <a:txBody>
+                    <a:bodyPr/>
+                    <a:lstStyle/>
+                    <a:p>
+                      <a:r>
+                        <a:t>827</a:t>
+                      </a:r>
+                    </a:p>
+                  </a:txBody>
+                  <a:tcPr/>
+                </a:tc>
+                <a:tc>
+                  <a:txBody>
+                    <a:bodyPr/>
+                    <a:lstStyle/>
+                    <a:p>
+                      <a:r>
+                        <a:t>32.2%</a:t>
+                      </a:r>
+                    </a:p>
+                  </a:txBody>
+                  <a:tcPr/>
+                </a:tc>
+                <a:tc>
+                  <a:txBody>
+                    <a:bodyPr/>
+                    <a:lstStyle/>
+                    <a:p>
+                      <a:r>
+                        <a:t>46.6 ± 19.3</a:t>
+                      </a:r>
+                    </a:p>
+                  </a:txBody>
+                  <a:tcPr/>
+                </a:tc>
+                <a:tc>
+                  <a:txBody>
+                    <a:bodyPr/>
+                    <a:lstStyle/>
+                    <a:p>
+                      <a:r>
+                        <a:t>41.1%</a:t>
+                      </a:r>
+                    </a:p>
+                  </a:txBody>
+                  <a:tcPr/>
+                </a:tc>
+                <a:tc>
+                  <a:txBody>
+                    <a:bodyPr/>
+                    <a:lstStyle/>
+                    <a:p>
+                      <a:r>
+                        <a:t>47.0%</a:t>
+                      </a:r>
+                    </a:p>
+                  </a:txBody>
+                  <a:tcPr/>
+                </a:tc>
+                <a:tc>
+                  <a:txBody>
+                    <a:bodyPr/>
+                    <a:lstStyle/>
+                    <a:p>
+                      <a:r>
+                        <a:t>6.8 ± 1.8</a:t>
+                      </a:r>
+                    </a:p>
+                  </a:txBody>
+                  <a:tcPr/>
+                </a:tc>
+                <a:tc>
+                  <a:txBody>
+                    <a:bodyPr/>
+                    <a:lstStyle/>
+                    <a:p>
+                      <a:r>
+                        <a:t>nan</a:t>
+                      </a:r>
+                    </a:p>
+                  </a:txBody>
+                  <a:tcPr/>
+                </a:tc>
+              </a:tr>
+              <a:tr h="388620">
+                <a:tc>
+                  <a:txBody>
+                    <a:bodyPr/>
+                    <a:lstStyle/>
+                    <a:p>
+                      <a:r>
+                        <a:t>Testing</a:t>
+                      </a:r>
+                    </a:p>
+                  </a:txBody>
+                  <a:tcPr/>
+                </a:tc>
+                <a:tc>
+                  <a:txBody>
+                    <a:bodyPr/>
+                    <a:lstStyle/>
+                    <a:p>
+                      <a:r>
+                        <a:t>1034</a:t>
+                      </a:r>
+                    </a:p>
+                  </a:txBody>
+                  <a:tcPr/>
+                </a:tc>
+                <a:tc>
+                  <a:txBody>
+                    <a:bodyPr/>
+                    <a:lstStyle/>
+                    <a:p>
+                      <a:r>
+                        <a:t>32.2%</a:t>
+                      </a:r>
+                    </a:p>
+                  </a:txBody>
+                  <a:tcPr/>
+                </a:tc>
+                <a:tc>
+                  <a:txBody>
+                    <a:bodyPr/>
+                    <a:lstStyle/>
+                    <a:p>
+                      <a:r>
+                        <a:t>45.3 ± 18.9</a:t>
+                      </a:r>
+                    </a:p>
+                  </a:txBody>
+                  <a:tcPr/>
+                </a:tc>
+                <a:tc>
+                  <a:txBody>
+                    <a:bodyPr/>
+                    <a:lstStyle/>
+                    <a:p>
+                      <a:r>
+                        <a:t>40.6%</a:t>
+                      </a:r>
+                    </a:p>
+                  </a:txBody>
+                  <a:tcPr/>
+                </a:tc>
+                <a:tc>
+                  <a:txBody>
+                    <a:bodyPr/>
+                    <a:lstStyle/>
+                    <a:p>
+                      <a:r>
+                        <a:t>44.3%</a:t>
+                      </a:r>
+                    </a:p>
+                  </a:txBody>
+                  <a:tcPr/>
+                </a:tc>
+                <a:tc>
+                  <a:txBody>
+                    <a:bodyPr/>
+                    <a:lstStyle/>
+                    <a:p>
+                      <a:r>
+                        <a:t>6.9 ± 1.8</a:t>
+                      </a:r>
+                    </a:p>
+                  </a:txBody>
+                  <a:tcPr/>
+                </a:tc>
+                <a:tc>
+                  <a:txBody>
+                    <a:bodyPr/>
+                    <a:lstStyle/>
+                    <a:p>
+                      <a:r>
+                        <a:t>nan</a:t>
+                      </a:r>
+                    </a:p>
+                  </a:txBody>
+                  <a:tcPr/>
+                </a:tc>
+              </a:tr>
+            </a:tbl>
+          </a:graphicData>
+        </a:graphic>
+      </p:graphicFrame>
     </p:spTree>
   </p:cSld>
   <p:clrMapOvr>
@@ -3251,67 +3891,899 @@
           <a:lstStyle/>
           <a:p>
             <a:r>
-              <a:t>Feature Engineering</a:t>
-            </a:r>
-          </a:p>
-        </p:txBody>
-      </p:sp>
-      <p:sp>
-        <p:nvSpPr>
-          <p:cNvPr id="3" name="Content Placeholder 2"/>
-          <p:cNvSpPr>
-            <a:spLocks noGrp="1"/>
-          </p:cNvSpPr>
-          <p:nvPr>
-            <p:ph idx="1"/>
-          </p:nvPr>
-        </p:nvSpPr>
-        <p:spPr/>
-        <p:txBody>
-          <a:bodyPr/>
-          <a:lstStyle/>
-          <a:p/>
-          <a:p>
-            <a:r>
-              <a:t>Prehospital inputs: 21 numeric, 66 categorical, 5 multi-label text columns</a:t>
-            </a:r>
-          </a:p>
-          <a:p>
-            <a:r>
-              <a:t>Engineered additions:</a:t>
-            </a:r>
-          </a:p>
-          <a:p>
-            <a:pPr lvl="1"/>
-            <a:r>
-              <a:t>PLZ (combined from PLZ/PLZ4)</a:t>
-            </a:r>
-          </a:p>
-          <a:p>
-            <a:pPr lvl="1"/>
-            <a:r>
-              <a:t>doctor_age (reference year 2025)</a:t>
-            </a:r>
-          </a:p>
-          <a:p>
-            <a:pPr lvl="1"/>
-            <a:r>
-              <a:t>doctor_sex (mapped from roster)</a:t>
-            </a:r>
-          </a:p>
-          <a:p>
-            <a:pPr lvl="1"/>
-            <a:r>
-              <a:t>doctor_specialist_qualifications (from metadata)</a:t>
-            </a:r>
-          </a:p>
-          <a:p>
-            <a:r>
-              <a:t>Categoricals encoded with OneHot, multi-label columns expanded with top-K token indicators.</a:t>
-            </a:r>
-          </a:p>
-        </p:txBody>
-      </p:sp>
+              <a:t>Model Performance by Split</a:t>
+            </a:r>
+          </a:p>
+        </p:txBody>
+      </p:sp>
+      <p:graphicFrame>
+        <p:nvGraphicFramePr>
+          <p:cNvPr id="3" name="Table 2"/>
+          <p:cNvGraphicFramePr>
+            <a:graphicFrameLocks noGrp="1"/>
+          </p:cNvGraphicFramePr>
+          <p:nvPr/>
+        </p:nvGraphicFramePr>
+        <p:xfrm>
+          <a:off x="274320" y="1097280"/>
+          <a:ext cx="8595360" cy="2560320"/>
+        </p:xfrm>
+        <a:graphic>
+          <a:graphicData uri="http://schemas.openxmlformats.org/drawingml/2006/table">
+            <a:tbl>
+              <a:tblPr firstRow="1" bandRow="1">
+                <a:tableStyleId>{5C22544A-7EE6-4342-B048-85BDC9FD1C3A}</a:tableStyleId>
+              </a:tblPr>
+              <a:tblGrid>
+                <a:gridCol w="859536"/>
+                <a:gridCol w="859536"/>
+                <a:gridCol w="859536"/>
+                <a:gridCol w="859536"/>
+                <a:gridCol w="859536"/>
+                <a:gridCol w="859536"/>
+                <a:gridCol w="859536"/>
+                <a:gridCol w="859536"/>
+                <a:gridCol w="859536"/>
+                <a:gridCol w="859536"/>
+              </a:tblGrid>
+              <a:tr h="365760">
+                <a:tc>
+                  <a:txBody>
+                    <a:bodyPr/>
+                    <a:lstStyle/>
+                    <a:p>
+                      <a:r>
+                        <a:t>Model</a:t>
+                      </a:r>
+                    </a:p>
+                  </a:txBody>
+                  <a:tcPr/>
+                </a:tc>
+                <a:tc>
+                  <a:txBody>
+                    <a:bodyPr/>
+                    <a:lstStyle/>
+                    <a:p>
+                      <a:r>
+                        <a:t>Split</a:t>
+                      </a:r>
+                    </a:p>
+                  </a:txBody>
+                  <a:tcPr/>
+                </a:tc>
+                <a:tc>
+                  <a:txBody>
+                    <a:bodyPr/>
+                    <a:lstStyle/>
+                    <a:p>
+                      <a:r>
+                        <a:t>Roc Auc</a:t>
+                      </a:r>
+                    </a:p>
+                  </a:txBody>
+                  <a:tcPr/>
+                </a:tc>
+                <a:tc>
+                  <a:txBody>
+                    <a:bodyPr/>
+                    <a:lstStyle/>
+                    <a:p>
+                      <a:r>
+                        <a:t>Pr Auc</a:t>
+                      </a:r>
+                    </a:p>
+                  </a:txBody>
+                  <a:tcPr/>
+                </a:tc>
+                <a:tc>
+                  <a:txBody>
+                    <a:bodyPr/>
+                    <a:lstStyle/>
+                    <a:p>
+                      <a:r>
+                        <a:t>Average Precision</a:t>
+                      </a:r>
+                    </a:p>
+                  </a:txBody>
+                  <a:tcPr/>
+                </a:tc>
+                <a:tc>
+                  <a:txBody>
+                    <a:bodyPr/>
+                    <a:lstStyle/>
+                    <a:p>
+                      <a:r>
+                        <a:t>Accuracy</a:t>
+                      </a:r>
+                    </a:p>
+                  </a:txBody>
+                  <a:tcPr/>
+                </a:tc>
+                <a:tc>
+                  <a:txBody>
+                    <a:bodyPr/>
+                    <a:lstStyle/>
+                    <a:p>
+                      <a:r>
+                        <a:t>Precision</a:t>
+                      </a:r>
+                    </a:p>
+                  </a:txBody>
+                  <a:tcPr/>
+                </a:tc>
+                <a:tc>
+                  <a:txBody>
+                    <a:bodyPr/>
+                    <a:lstStyle/>
+                    <a:p>
+                      <a:r>
+                        <a:t>Recall</a:t>
+                      </a:r>
+                    </a:p>
+                  </a:txBody>
+                  <a:tcPr/>
+                </a:tc>
+                <a:tc>
+                  <a:txBody>
+                    <a:bodyPr/>
+                    <a:lstStyle/>
+                    <a:p>
+                      <a:r>
+                        <a:t>F1</a:t>
+                      </a:r>
+                    </a:p>
+                  </a:txBody>
+                  <a:tcPr/>
+                </a:tc>
+                <a:tc>
+                  <a:txBody>
+                    <a:bodyPr/>
+                    <a:lstStyle/>
+                    <a:p>
+                      <a:r>
+                        <a:t>Brier</a:t>
+                      </a:r>
+                    </a:p>
+                  </a:txBody>
+                  <a:tcPr/>
+                </a:tc>
+              </a:tr>
+              <a:tr h="365760">
+                <a:tc>
+                  <a:txBody>
+                    <a:bodyPr/>
+                    <a:lstStyle/>
+                    <a:p>
+                      <a:r>
+                        <a:t>Logistic Regression</a:t>
+                      </a:r>
+                    </a:p>
+                  </a:txBody>
+                  <a:tcPr/>
+                </a:tc>
+                <a:tc>
+                  <a:txBody>
+                    <a:bodyPr/>
+                    <a:lstStyle/>
+                    <a:p>
+                      <a:r>
+                        <a:t>Training</a:t>
+                      </a:r>
+                    </a:p>
+                  </a:txBody>
+                  <a:tcPr/>
+                </a:tc>
+                <a:tc>
+                  <a:txBody>
+                    <a:bodyPr/>
+                    <a:lstStyle/>
+                    <a:p>
+                      <a:r>
+                        <a:t>0.799</a:t>
+                      </a:r>
+                    </a:p>
+                  </a:txBody>
+                  <a:tcPr/>
+                </a:tc>
+                <a:tc>
+                  <a:txBody>
+                    <a:bodyPr/>
+                    <a:lstStyle/>
+                    <a:p>
+                      <a:r>
+                        <a:t>0.651</a:t>
+                      </a:r>
+                    </a:p>
+                  </a:txBody>
+                  <a:tcPr/>
+                </a:tc>
+                <a:tc>
+                  <a:txBody>
+                    <a:bodyPr/>
+                    <a:lstStyle/>
+                    <a:p>
+                      <a:r>
+                        <a:t>0.651</a:t>
+                      </a:r>
+                    </a:p>
+                  </a:txBody>
+                  <a:tcPr/>
+                </a:tc>
+                <a:tc>
+                  <a:txBody>
+                    <a:bodyPr/>
+                    <a:lstStyle/>
+                    <a:p>
+                      <a:r>
+                        <a:t>0.721</a:t>
+                      </a:r>
+                    </a:p>
+                  </a:txBody>
+                  <a:tcPr/>
+                </a:tc>
+                <a:tc>
+                  <a:txBody>
+                    <a:bodyPr/>
+                    <a:lstStyle/>
+                    <a:p>
+                      <a:r>
+                        <a:t>0.549</a:t>
+                      </a:r>
+                    </a:p>
+                  </a:txBody>
+                  <a:tcPr/>
+                </a:tc>
+                <a:tc>
+                  <a:txBody>
+                    <a:bodyPr/>
+                    <a:lstStyle/>
+                    <a:p>
+                      <a:r>
+                        <a:t>0.738</a:t>
+                      </a:r>
+                    </a:p>
+                  </a:txBody>
+                  <a:tcPr/>
+                </a:tc>
+                <a:tc>
+                  <a:txBody>
+                    <a:bodyPr/>
+                    <a:lstStyle/>
+                    <a:p>
+                      <a:r>
+                        <a:t>0.630</a:t>
+                      </a:r>
+                    </a:p>
+                  </a:txBody>
+                  <a:tcPr/>
+                </a:tc>
+                <a:tc>
+                  <a:txBody>
+                    <a:bodyPr/>
+                    <a:lstStyle/>
+                    <a:p>
+                      <a:r>
+                        <a:t>0.186</a:t>
+                      </a:r>
+                    </a:p>
+                  </a:txBody>
+                  <a:tcPr/>
+                </a:tc>
+              </a:tr>
+              <a:tr h="365760">
+                <a:tc>
+                  <a:txBody>
+                    <a:bodyPr/>
+                    <a:lstStyle/>
+                    <a:p>
+                      <a:r>
+                        <a:t>Logistic Regression</a:t>
+                      </a:r>
+                    </a:p>
+                  </a:txBody>
+                  <a:tcPr/>
+                </a:tc>
+                <a:tc>
+                  <a:txBody>
+                    <a:bodyPr/>
+                    <a:lstStyle/>
+                    <a:p>
+                      <a:r>
+                        <a:t>Validation</a:t>
+                      </a:r>
+                    </a:p>
+                  </a:txBody>
+                  <a:tcPr/>
+                </a:tc>
+                <a:tc>
+                  <a:txBody>
+                    <a:bodyPr/>
+                    <a:lstStyle/>
+                    <a:p>
+                      <a:r>
+                        <a:t>0.682</a:t>
+                      </a:r>
+                    </a:p>
+                  </a:txBody>
+                  <a:tcPr/>
+                </a:tc>
+                <a:tc>
+                  <a:txBody>
+                    <a:bodyPr/>
+                    <a:lstStyle/>
+                    <a:p>
+                      <a:r>
+                        <a:t>0.483</a:t>
+                      </a:r>
+                    </a:p>
+                  </a:txBody>
+                  <a:tcPr/>
+                </a:tc>
+                <a:tc>
+                  <a:txBody>
+                    <a:bodyPr/>
+                    <a:lstStyle/>
+                    <a:p>
+                      <a:r>
+                        <a:t>0.485</a:t>
+                      </a:r>
+                    </a:p>
+                  </a:txBody>
+                  <a:tcPr/>
+                </a:tc>
+                <a:tc>
+                  <a:txBody>
+                    <a:bodyPr/>
+                    <a:lstStyle/>
+                    <a:p>
+                      <a:r>
+                        <a:t>0.651</a:t>
+                      </a:r>
+                    </a:p>
+                  </a:txBody>
+                  <a:tcPr/>
+                </a:tc>
+                <a:tc>
+                  <a:txBody>
+                    <a:bodyPr/>
+                    <a:lstStyle/>
+                    <a:p>
+                      <a:r>
+                        <a:t>0.466</a:t>
+                      </a:r>
+                    </a:p>
+                  </a:txBody>
+                  <a:tcPr/>
+                </a:tc>
+                <a:tc>
+                  <a:txBody>
+                    <a:bodyPr/>
+                    <a:lstStyle/>
+                    <a:p>
+                      <a:r>
+                        <a:t>0.594</a:t>
+                      </a:r>
+                    </a:p>
+                  </a:txBody>
+                  <a:tcPr/>
+                </a:tc>
+                <a:tc>
+                  <a:txBody>
+                    <a:bodyPr/>
+                    <a:lstStyle/>
+                    <a:p>
+                      <a:r>
+                        <a:t>0.522</a:t>
+                      </a:r>
+                    </a:p>
+                  </a:txBody>
+                  <a:tcPr/>
+                </a:tc>
+                <a:tc>
+                  <a:txBody>
+                    <a:bodyPr/>
+                    <a:lstStyle/>
+                    <a:p>
+                      <a:r>
+                        <a:t>0.223</a:t>
+                      </a:r>
+                    </a:p>
+                  </a:txBody>
+                  <a:tcPr/>
+                </a:tc>
+              </a:tr>
+              <a:tr h="365760">
+                <a:tc>
+                  <a:txBody>
+                    <a:bodyPr/>
+                    <a:lstStyle/>
+                    <a:p>
+                      <a:r>
+                        <a:t>Logistic Regression</a:t>
+                      </a:r>
+                    </a:p>
+                  </a:txBody>
+                  <a:tcPr/>
+                </a:tc>
+                <a:tc>
+                  <a:txBody>
+                    <a:bodyPr/>
+                    <a:lstStyle/>
+                    <a:p>
+                      <a:r>
+                        <a:t>Testing</a:t>
+                      </a:r>
+                    </a:p>
+                  </a:txBody>
+                  <a:tcPr/>
+                </a:tc>
+                <a:tc>
+                  <a:txBody>
+                    <a:bodyPr/>
+                    <a:lstStyle/>
+                    <a:p>
+                      <a:r>
+                        <a:t>0.674</a:t>
+                      </a:r>
+                    </a:p>
+                  </a:txBody>
+                  <a:tcPr/>
+                </a:tc>
+                <a:tc>
+                  <a:txBody>
+                    <a:bodyPr/>
+                    <a:lstStyle/>
+                    <a:p>
+                      <a:r>
+                        <a:t>0.461</a:t>
+                      </a:r>
+                    </a:p>
+                  </a:txBody>
+                  <a:tcPr/>
+                </a:tc>
+                <a:tc>
+                  <a:txBody>
+                    <a:bodyPr/>
+                    <a:lstStyle/>
+                    <a:p>
+                      <a:r>
+                        <a:t>0.463</a:t>
+                      </a:r>
+                    </a:p>
+                  </a:txBody>
+                  <a:tcPr/>
+                </a:tc>
+                <a:tc>
+                  <a:txBody>
+                    <a:bodyPr/>
+                    <a:lstStyle/>
+                    <a:p>
+                      <a:r>
+                        <a:t>0.628</a:t>
+                      </a:r>
+                    </a:p>
+                  </a:txBody>
+                  <a:tcPr/>
+                </a:tc>
+                <a:tc>
+                  <a:txBody>
+                    <a:bodyPr/>
+                    <a:lstStyle/>
+                    <a:p>
+                      <a:r>
+                        <a:t>0.445</a:t>
+                      </a:r>
+                    </a:p>
+                  </a:txBody>
+                  <a:tcPr/>
+                </a:tc>
+                <a:tc>
+                  <a:txBody>
+                    <a:bodyPr/>
+                    <a:lstStyle/>
+                    <a:p>
+                      <a:r>
+                        <a:t>0.637</a:t>
+                      </a:r>
+                    </a:p>
+                  </a:txBody>
+                  <a:tcPr/>
+                </a:tc>
+                <a:tc>
+                  <a:txBody>
+                    <a:bodyPr/>
+                    <a:lstStyle/>
+                    <a:p>
+                      <a:r>
+                        <a:t>0.524</a:t>
+                      </a:r>
+                    </a:p>
+                  </a:txBody>
+                  <a:tcPr/>
+                </a:tc>
+                <a:tc>
+                  <a:txBody>
+                    <a:bodyPr/>
+                    <a:lstStyle/>
+                    <a:p>
+                      <a:r>
+                        <a:t>0.230</a:t>
+                      </a:r>
+                    </a:p>
+                  </a:txBody>
+                  <a:tcPr/>
+                </a:tc>
+              </a:tr>
+              <a:tr h="365760">
+                <a:tc>
+                  <a:txBody>
+                    <a:bodyPr/>
+                    <a:lstStyle/>
+                    <a:p>
+                      <a:r>
+                        <a:t>XGBoost</a:t>
+                      </a:r>
+                    </a:p>
+                  </a:txBody>
+                  <a:tcPr/>
+                </a:tc>
+                <a:tc>
+                  <a:txBody>
+                    <a:bodyPr/>
+                    <a:lstStyle/>
+                    <a:p>
+                      <a:r>
+                        <a:t>Training</a:t>
+                      </a:r>
+                    </a:p>
+                  </a:txBody>
+                  <a:tcPr/>
+                </a:tc>
+                <a:tc>
+                  <a:txBody>
+                    <a:bodyPr/>
+                    <a:lstStyle/>
+                    <a:p>
+                      <a:r>
+                        <a:t>0.926</a:t>
+                      </a:r>
+                    </a:p>
+                  </a:txBody>
+                  <a:tcPr/>
+                </a:tc>
+                <a:tc>
+                  <a:txBody>
+                    <a:bodyPr/>
+                    <a:lstStyle/>
+                    <a:p>
+                      <a:r>
+                        <a:t>0.865</a:t>
+                      </a:r>
+                    </a:p>
+                  </a:txBody>
+                  <a:tcPr/>
+                </a:tc>
+                <a:tc>
+                  <a:txBody>
+                    <a:bodyPr/>
+                    <a:lstStyle/>
+                    <a:p>
+                      <a:r>
+                        <a:t>0.865</a:t>
+                      </a:r>
+                    </a:p>
+                  </a:txBody>
+                  <a:tcPr/>
+                </a:tc>
+                <a:tc>
+                  <a:txBody>
+                    <a:bodyPr/>
+                    <a:lstStyle/>
+                    <a:p>
+                      <a:r>
+                        <a:t>0.836</a:t>
+                      </a:r>
+                    </a:p>
+                  </a:txBody>
+                  <a:tcPr/>
+                </a:tc>
+                <a:tc>
+                  <a:txBody>
+                    <a:bodyPr/>
+                    <a:lstStyle/>
+                    <a:p>
+                      <a:r>
+                        <a:t>0.695</a:t>
+                      </a:r>
+                    </a:p>
+                  </a:txBody>
+                  <a:tcPr/>
+                </a:tc>
+                <a:tc>
+                  <a:txBody>
+                    <a:bodyPr/>
+                    <a:lstStyle/>
+                    <a:p>
+                      <a:r>
+                        <a:t>0.874</a:t>
+                      </a:r>
+                    </a:p>
+                  </a:txBody>
+                  <a:tcPr/>
+                </a:tc>
+                <a:tc>
+                  <a:txBody>
+                    <a:bodyPr/>
+                    <a:lstStyle/>
+                    <a:p>
+                      <a:r>
+                        <a:t>0.774</a:t>
+                      </a:r>
+                    </a:p>
+                  </a:txBody>
+                  <a:tcPr/>
+                </a:tc>
+                <a:tc>
+                  <a:txBody>
+                    <a:bodyPr/>
+                    <a:lstStyle/>
+                    <a:p>
+                      <a:r>
+                        <a:t>0.136</a:t>
+                      </a:r>
+                    </a:p>
+                  </a:txBody>
+                  <a:tcPr/>
+                </a:tc>
+              </a:tr>
+              <a:tr h="365760">
+                <a:tc>
+                  <a:txBody>
+                    <a:bodyPr/>
+                    <a:lstStyle/>
+                    <a:p>
+                      <a:r>
+                        <a:t>XGBoost</a:t>
+                      </a:r>
+                    </a:p>
+                  </a:txBody>
+                  <a:tcPr/>
+                </a:tc>
+                <a:tc>
+                  <a:txBody>
+                    <a:bodyPr/>
+                    <a:lstStyle/>
+                    <a:p>
+                      <a:r>
+                        <a:t>Validation</a:t>
+                      </a:r>
+                    </a:p>
+                  </a:txBody>
+                  <a:tcPr/>
+                </a:tc>
+                <a:tc>
+                  <a:txBody>
+                    <a:bodyPr/>
+                    <a:lstStyle/>
+                    <a:p>
+                      <a:r>
+                        <a:t>0.719</a:t>
+                      </a:r>
+                    </a:p>
+                  </a:txBody>
+                  <a:tcPr/>
+                </a:tc>
+                <a:tc>
+                  <a:txBody>
+                    <a:bodyPr/>
+                    <a:lstStyle/>
+                    <a:p>
+                      <a:r>
+                        <a:t>0.542</a:t>
+                      </a:r>
+                    </a:p>
+                  </a:txBody>
+                  <a:tcPr/>
+                </a:tc>
+                <a:tc>
+                  <a:txBody>
+                    <a:bodyPr/>
+                    <a:lstStyle/>
+                    <a:p>
+                      <a:r>
+                        <a:t>0.545</a:t>
+                      </a:r>
+                    </a:p>
+                  </a:txBody>
+                  <a:tcPr/>
+                </a:tc>
+                <a:tc>
+                  <a:txBody>
+                    <a:bodyPr/>
+                    <a:lstStyle/>
+                    <a:p>
+                      <a:r>
+                        <a:t>0.674</a:t>
+                      </a:r>
+                    </a:p>
+                  </a:txBody>
+                  <a:tcPr/>
+                </a:tc>
+                <a:tc>
+                  <a:txBody>
+                    <a:bodyPr/>
+                    <a:lstStyle/>
+                    <a:p>
+                      <a:r>
+                        <a:t>0.494</a:t>
+                      </a:r>
+                    </a:p>
+                  </a:txBody>
+                  <a:tcPr/>
+                </a:tc>
+                <a:tc>
+                  <a:txBody>
+                    <a:bodyPr/>
+                    <a:lstStyle/>
+                    <a:p>
+                      <a:r>
+                        <a:t>0.583</a:t>
+                      </a:r>
+                    </a:p>
+                  </a:txBody>
+                  <a:tcPr/>
+                </a:tc>
+                <a:tc>
+                  <a:txBody>
+                    <a:bodyPr/>
+                    <a:lstStyle/>
+                    <a:p>
+                      <a:r>
+                        <a:t>0.534</a:t>
+                      </a:r>
+                    </a:p>
+                  </a:txBody>
+                  <a:tcPr/>
+                </a:tc>
+                <a:tc>
+                  <a:txBody>
+                    <a:bodyPr/>
+                    <a:lstStyle/>
+                    <a:p>
+                      <a:r>
+                        <a:t>0.203</a:t>
+                      </a:r>
+                    </a:p>
+                  </a:txBody>
+                  <a:tcPr/>
+                </a:tc>
+              </a:tr>
+              <a:tr h="365760">
+                <a:tc>
+                  <a:txBody>
+                    <a:bodyPr/>
+                    <a:lstStyle/>
+                    <a:p>
+                      <a:r>
+                        <a:t>XGBoost</a:t>
+                      </a:r>
+                    </a:p>
+                  </a:txBody>
+                  <a:tcPr/>
+                </a:tc>
+                <a:tc>
+                  <a:txBody>
+                    <a:bodyPr/>
+                    <a:lstStyle/>
+                    <a:p>
+                      <a:r>
+                        <a:t>Testing</a:t>
+                      </a:r>
+                    </a:p>
+                  </a:txBody>
+                  <a:tcPr/>
+                </a:tc>
+                <a:tc>
+                  <a:txBody>
+                    <a:bodyPr/>
+                    <a:lstStyle/>
+                    <a:p>
+                      <a:r>
+                        <a:t>0.725</a:t>
+                      </a:r>
+                    </a:p>
+                  </a:txBody>
+                  <a:tcPr/>
+                </a:tc>
+                <a:tc>
+                  <a:txBody>
+                    <a:bodyPr/>
+                    <a:lstStyle/>
+                    <a:p>
+                      <a:r>
+                        <a:t>0.544</a:t>
+                      </a:r>
+                    </a:p>
+                  </a:txBody>
+                  <a:tcPr/>
+                </a:tc>
+                <a:tc>
+                  <a:txBody>
+                    <a:bodyPr/>
+                    <a:lstStyle/>
+                    <a:p>
+                      <a:r>
+                        <a:t>0.547</a:t>
+                      </a:r>
+                    </a:p>
+                  </a:txBody>
+                  <a:tcPr/>
+                </a:tc>
+                <a:tc>
+                  <a:txBody>
+                    <a:bodyPr/>
+                    <a:lstStyle/>
+                    <a:p>
+                      <a:r>
+                        <a:t>0.687</a:t>
+                      </a:r>
+                    </a:p>
+                  </a:txBody>
+                  <a:tcPr/>
+                </a:tc>
+                <a:tc>
+                  <a:txBody>
+                    <a:bodyPr/>
+                    <a:lstStyle/>
+                    <a:p>
+                      <a:r>
+                        <a:t>0.511</a:t>
+                      </a:r>
+                    </a:p>
+                  </a:txBody>
+                  <a:tcPr/>
+                </a:tc>
+                <a:tc>
+                  <a:txBody>
+                    <a:bodyPr/>
+                    <a:lstStyle/>
+                    <a:p>
+                      <a:r>
+                        <a:t>0.637</a:t>
+                      </a:r>
+                    </a:p>
+                  </a:txBody>
+                  <a:tcPr/>
+                </a:tc>
+                <a:tc>
+                  <a:txBody>
+                    <a:bodyPr/>
+                    <a:lstStyle/>
+                    <a:p>
+                      <a:r>
+                        <a:t>0.567</a:t>
+                      </a:r>
+                    </a:p>
+                  </a:txBody>
+                  <a:tcPr/>
+                </a:tc>
+                <a:tc>
+                  <a:txBody>
+                    <a:bodyPr/>
+                    <a:lstStyle/>
+                    <a:p>
+                      <a:r>
+                        <a:t>0.204</a:t>
+                      </a:r>
+                    </a:p>
+                  </a:txBody>
+                  <a:tcPr/>
+                </a:tc>
+              </a:tr>
+            </a:tbl>
+          </a:graphicData>
+        </a:graphic>
+      </p:graphicFrame>
     </p:spTree>
   </p:cSld>
   <p:clrMapOvr>
@@ -3346,48 +4818,289 @@
           <a:lstStyle/>
           <a:p>
             <a:r>
-              <a:t>Modelling Workflow</a:t>
-            </a:r>
-          </a:p>
-        </p:txBody>
-      </p:sp>
-      <p:sp>
-        <p:nvSpPr>
-          <p:cNvPr id="3" name="Content Placeholder 2"/>
-          <p:cNvSpPr>
-            <a:spLocks noGrp="1"/>
-          </p:cNvSpPr>
-          <p:nvPr>
-            <p:ph idx="1"/>
-          </p:nvPr>
-        </p:nvSpPr>
-        <p:spPr/>
-        <p:txBody>
-          <a:bodyPr/>
-          <a:lstStyle/>
-          <a:p/>
-          <a:p>
-            <a:r>
-              <a:t>Models: balanced Logistic Regression + XGBoost (hist tree method)</a:t>
-            </a:r>
-          </a:p>
-          <a:p>
-            <a:r>
-              <a:t>Preprocessing: median/mode imputation, scaling, sparse encoding</a:t>
-            </a:r>
-          </a:p>
-          <a:p>
-            <a:r>
-              <a:t>Split: 64% train / 16% validation / 20% test (stratified)</a:t>
-            </a:r>
-          </a:p>
-          <a:p>
-            <a:r>
-              <a:t>Hyperparameter tuning: randomized 40-iteration search on validation AP (accepted only if &gt;= baseline)</a:t>
-            </a:r>
-          </a:p>
-        </p:txBody>
-      </p:sp>
+              <a:t>Cross-validation Summary</a:t>
+            </a:r>
+          </a:p>
+        </p:txBody>
+      </p:sp>
+      <p:graphicFrame>
+        <p:nvGraphicFramePr>
+          <p:cNvPr id="3" name="Table 2"/>
+          <p:cNvGraphicFramePr>
+            <a:graphicFrameLocks noGrp="1"/>
+          </p:cNvGraphicFramePr>
+          <p:nvPr/>
+        </p:nvGraphicFramePr>
+        <p:xfrm>
+          <a:off x="914400" y="1371600"/>
+          <a:ext cx="7315200" cy="1828800"/>
+        </p:xfrm>
+        <a:graphic>
+          <a:graphicData uri="http://schemas.openxmlformats.org/drawingml/2006/table">
+            <a:tbl>
+              <a:tblPr firstRow="1" bandRow="1">
+                <a:tableStyleId>{5C22544A-7EE6-4342-B048-85BDC9FD1C3A}</a:tableStyleId>
+              </a:tblPr>
+              <a:tblGrid>
+                <a:gridCol w="1828800"/>
+                <a:gridCol w="1828800"/>
+                <a:gridCol w="1828800"/>
+                <a:gridCol w="1828800"/>
+              </a:tblGrid>
+              <a:tr h="365760">
+                <a:tc>
+                  <a:txBody>
+                    <a:bodyPr/>
+                    <a:lstStyle/>
+                    <a:p>
+                      <a:r>
+                        <a:t>Model</a:t>
+                      </a:r>
+                    </a:p>
+                  </a:txBody>
+                  <a:tcPr/>
+                </a:tc>
+                <a:tc>
+                  <a:txBody>
+                    <a:bodyPr/>
+                    <a:lstStyle/>
+                    <a:p>
+                      <a:r>
+                        <a:t>Metric</a:t>
+                      </a:r>
+                    </a:p>
+                  </a:txBody>
+                  <a:tcPr/>
+                </a:tc>
+                <a:tc>
+                  <a:txBody>
+                    <a:bodyPr/>
+                    <a:lstStyle/>
+                    <a:p>
+                      <a:r>
+                        <a:t>Mean</a:t>
+                      </a:r>
+                    </a:p>
+                  </a:txBody>
+                  <a:tcPr/>
+                </a:tc>
+                <a:tc>
+                  <a:txBody>
+                    <a:bodyPr/>
+                    <a:lstStyle/>
+                    <a:p>
+                      <a:r>
+                        <a:t>Std</a:t>
+                      </a:r>
+                    </a:p>
+                  </a:txBody>
+                  <a:tcPr/>
+                </a:tc>
+              </a:tr>
+              <a:tr h="365760">
+                <a:tc>
+                  <a:txBody>
+                    <a:bodyPr/>
+                    <a:lstStyle/>
+                    <a:p>
+                      <a:r>
+                        <a:t>Logistic Regression</a:t>
+                      </a:r>
+                    </a:p>
+                  </a:txBody>
+                  <a:tcPr/>
+                </a:tc>
+                <a:tc>
+                  <a:txBody>
+                    <a:bodyPr/>
+                    <a:lstStyle/>
+                    <a:p>
+                      <a:r>
+                        <a:t>ROC AUC</a:t>
+                      </a:r>
+                    </a:p>
+                  </a:txBody>
+                  <a:tcPr/>
+                </a:tc>
+                <a:tc>
+                  <a:txBody>
+                    <a:bodyPr/>
+                    <a:lstStyle/>
+                    <a:p>
+                      <a:r>
+                        <a:t>0.659</a:t>
+                      </a:r>
+                    </a:p>
+                  </a:txBody>
+                  <a:tcPr/>
+                </a:tc>
+                <a:tc>
+                  <a:txBody>
+                    <a:bodyPr/>
+                    <a:lstStyle/>
+                    <a:p>
+                      <a:r>
+                        <a:t>0.013</a:t>
+                      </a:r>
+                    </a:p>
+                  </a:txBody>
+                  <a:tcPr/>
+                </a:tc>
+              </a:tr>
+              <a:tr h="365760">
+                <a:tc>
+                  <a:txBody>
+                    <a:bodyPr/>
+                    <a:lstStyle/>
+                    <a:p>
+                      <a:r>
+                        <a:t>Logistic Regression</a:t>
+                      </a:r>
+                    </a:p>
+                  </a:txBody>
+                  <a:tcPr/>
+                </a:tc>
+                <a:tc>
+                  <a:txBody>
+                    <a:bodyPr/>
+                    <a:lstStyle/>
+                    <a:p>
+                      <a:r>
+                        <a:t>Average Precision</a:t>
+                      </a:r>
+                    </a:p>
+                  </a:txBody>
+                  <a:tcPr/>
+                </a:tc>
+                <a:tc>
+                  <a:txBody>
+                    <a:bodyPr/>
+                    <a:lstStyle/>
+                    <a:p>
+                      <a:r>
+                        <a:t>0.474</a:t>
+                      </a:r>
+                    </a:p>
+                  </a:txBody>
+                  <a:tcPr/>
+                </a:tc>
+                <a:tc>
+                  <a:txBody>
+                    <a:bodyPr/>
+                    <a:lstStyle/>
+                    <a:p>
+                      <a:r>
+                        <a:t>0.028</a:t>
+                      </a:r>
+                    </a:p>
+                  </a:txBody>
+                  <a:tcPr/>
+                </a:tc>
+              </a:tr>
+              <a:tr h="365760">
+                <a:tc>
+                  <a:txBody>
+                    <a:bodyPr/>
+                    <a:lstStyle/>
+                    <a:p>
+                      <a:r>
+                        <a:t>XGBoost</a:t>
+                      </a:r>
+                    </a:p>
+                  </a:txBody>
+                  <a:tcPr/>
+                </a:tc>
+                <a:tc>
+                  <a:txBody>
+                    <a:bodyPr/>
+                    <a:lstStyle/>
+                    <a:p>
+                      <a:r>
+                        <a:t>ROC AUC</a:t>
+                      </a:r>
+                    </a:p>
+                  </a:txBody>
+                  <a:tcPr/>
+                </a:tc>
+                <a:tc>
+                  <a:txBody>
+                    <a:bodyPr/>
+                    <a:lstStyle/>
+                    <a:p>
+                      <a:r>
+                        <a:t>0.694</a:t>
+                      </a:r>
+                    </a:p>
+                  </a:txBody>
+                  <a:tcPr/>
+                </a:tc>
+                <a:tc>
+                  <a:txBody>
+                    <a:bodyPr/>
+                    <a:lstStyle/>
+                    <a:p>
+                      <a:r>
+                        <a:t>0.009</a:t>
+                      </a:r>
+                    </a:p>
+                  </a:txBody>
+                  <a:tcPr/>
+                </a:tc>
+              </a:tr>
+              <a:tr h="365760">
+                <a:tc>
+                  <a:txBody>
+                    <a:bodyPr/>
+                    <a:lstStyle/>
+                    <a:p>
+                      <a:r>
+                        <a:t>XGBoost</a:t>
+                      </a:r>
+                    </a:p>
+                  </a:txBody>
+                  <a:tcPr/>
+                </a:tc>
+                <a:tc>
+                  <a:txBody>
+                    <a:bodyPr/>
+                    <a:lstStyle/>
+                    <a:p>
+                      <a:r>
+                        <a:t>Average Precision</a:t>
+                      </a:r>
+                    </a:p>
+                  </a:txBody>
+                  <a:tcPr/>
+                </a:tc>
+                <a:tc>
+                  <a:txBody>
+                    <a:bodyPr/>
+                    <a:lstStyle/>
+                    <a:p>
+                      <a:r>
+                        <a:t>0.517</a:t>
+                      </a:r>
+                    </a:p>
+                  </a:txBody>
+                  <a:tcPr/>
+                </a:tc>
+                <a:tc>
+                  <a:txBody>
+                    <a:bodyPr/>
+                    <a:lstStyle/>
+                    <a:p>
+                      <a:r>
+                        <a:t>0.022</a:t>
+                      </a:r>
+                    </a:p>
+                  </a:txBody>
+                  <a:tcPr/>
+                </a:tc>
+              </a:tr>
+            </a:tbl>
+          </a:graphicData>
+        </a:graphic>
+      </p:graphicFrame>
     </p:spTree>
   </p:cSld>
   <p:clrMapOvr>
@@ -3422,266 +5135,35 @@
           <a:lstStyle/>
           <a:p>
             <a:r>
-              <a:t>Performance Summary</a:t>
-            </a:r>
-          </a:p>
-        </p:txBody>
-      </p:sp>
-      <p:graphicFrame>
-        <p:nvGraphicFramePr>
-          <p:cNvPr id="3" name="Table 2"/>
-          <p:cNvGraphicFramePr>
-            <a:graphicFrameLocks noGrp="1"/>
-          </p:cNvGraphicFramePr>
+              <a:t>Metric Comparison</a:t>
+            </a:r>
+          </a:p>
+        </p:txBody>
+      </p:sp>
+      <p:pic>
+        <p:nvPicPr>
+          <p:cNvPr id="3" name="Picture 2" descr="metric_comparison.png"/>
+          <p:cNvPicPr>
+            <a:picLocks noChangeAspect="1"/>
+          </p:cNvPicPr>
           <p:nvPr/>
-        </p:nvGraphicFramePr>
-        <p:xfrm>
-          <a:off x="457200" y="1371600"/>
-          <a:ext cx="8229600" cy="2743200"/>
-        </p:xfrm>
-        <a:graphic>
-          <a:graphicData uri="http://schemas.openxmlformats.org/drawingml/2006/table">
-            <a:tbl>
-              <a:tblPr firstRow="1" bandRow="1">
-                <a:tableStyleId>{5C22544A-7EE6-4342-B048-85BDC9FD1C3A}</a:tableStyleId>
-              </a:tblPr>
-              <a:tblGrid>
-                <a:gridCol w="2743200"/>
-                <a:gridCol w="2743200"/>
-                <a:gridCol w="2743200"/>
-              </a:tblGrid>
-              <a:tr h="457200">
-                <a:tc>
-                  <a:txBody>
-                    <a:bodyPr/>
-                    <a:lstStyle/>
-                    <a:p>
-                      <a:r>
-                        <a:t>Metric</a:t>
-                      </a:r>
-                    </a:p>
-                  </a:txBody>
-                  <a:tcPr/>
-                </a:tc>
-                <a:tc>
-                  <a:txBody>
-                    <a:bodyPr/>
-                    <a:lstStyle/>
-                    <a:p>
-                      <a:r>
-                        <a:t>Logistic Regression</a:t>
-                      </a:r>
-                    </a:p>
-                  </a:txBody>
-                  <a:tcPr/>
-                </a:tc>
-                <a:tc>
-                  <a:txBody>
-                    <a:bodyPr/>
-                    <a:lstStyle/>
-                    <a:p>
-                      <a:r>
-                        <a:t>XGBoost</a:t>
-                      </a:r>
-                    </a:p>
-                  </a:txBody>
-                  <a:tcPr/>
-                </a:tc>
-              </a:tr>
-              <a:tr h="457200">
-                <a:tc>
-                  <a:txBody>
-                    <a:bodyPr/>
-                    <a:lstStyle/>
-                    <a:p>
-                      <a:r>
-                        <a:t>Validation ROC AUC</a:t>
-                      </a:r>
-                    </a:p>
-                  </a:txBody>
-                  <a:tcPr/>
-                </a:tc>
-                <a:tc>
-                  <a:txBody>
-                    <a:bodyPr/>
-                    <a:lstStyle/>
-                    <a:p>
-                      <a:r>
-                        <a:t>0.642</a:t>
-                      </a:r>
-                    </a:p>
-                  </a:txBody>
-                  <a:tcPr/>
-                </a:tc>
-                <a:tc>
-                  <a:txBody>
-                    <a:bodyPr/>
-                    <a:lstStyle/>
-                    <a:p>
-                      <a:r>
-                        <a:t>0.681</a:t>
-                      </a:r>
-                    </a:p>
-                  </a:txBody>
-                  <a:tcPr/>
-                </a:tc>
-              </a:tr>
-              <a:tr h="457200">
-                <a:tc>
-                  <a:txBody>
-                    <a:bodyPr/>
-                    <a:lstStyle/>
-                    <a:p>
-                      <a:r>
-                        <a:t>Validation PR AUC</a:t>
-                      </a:r>
-                    </a:p>
-                  </a:txBody>
-                  <a:tcPr/>
-                </a:tc>
-                <a:tc>
-                  <a:txBody>
-                    <a:bodyPr/>
-                    <a:lstStyle/>
-                    <a:p>
-                      <a:r>
-                        <a:t>0.450</a:t>
-                      </a:r>
-                    </a:p>
-                  </a:txBody>
-                  <a:tcPr/>
-                </a:tc>
-                <a:tc>
-                  <a:txBody>
-                    <a:bodyPr/>
-                    <a:lstStyle/>
-                    <a:p>
-                      <a:r>
-                        <a:t>0.518</a:t>
-                      </a:r>
-                    </a:p>
-                  </a:txBody>
-                  <a:tcPr/>
-                </a:tc>
-              </a:tr>
-              <a:tr h="457200">
-                <a:tc>
-                  <a:txBody>
-                    <a:bodyPr/>
-                    <a:lstStyle/>
-                    <a:p>
-                      <a:r>
-                        <a:t>Test ROC AUC</a:t>
-                      </a:r>
-                    </a:p>
-                  </a:txBody>
-                  <a:tcPr/>
-                </a:tc>
-                <a:tc>
-                  <a:txBody>
-                    <a:bodyPr/>
-                    <a:lstStyle/>
-                    <a:p>
-                      <a:r>
-                        <a:t>0.694</a:t>
-                      </a:r>
-                    </a:p>
-                  </a:txBody>
-                  <a:tcPr/>
-                </a:tc>
-                <a:tc>
-                  <a:txBody>
-                    <a:bodyPr/>
-                    <a:lstStyle/>
-                    <a:p>
-                      <a:r>
-                        <a:t>0.740</a:t>
-                      </a:r>
-                    </a:p>
-                  </a:txBody>
-                  <a:tcPr/>
-                </a:tc>
-              </a:tr>
-              <a:tr h="457200">
-                <a:tc>
-                  <a:txBody>
-                    <a:bodyPr/>
-                    <a:lstStyle/>
-                    <a:p>
-                      <a:r>
-                        <a:t>Test PR AUC</a:t>
-                      </a:r>
-                    </a:p>
-                  </a:txBody>
-                  <a:tcPr/>
-                </a:tc>
-                <a:tc>
-                  <a:txBody>
-                    <a:bodyPr/>
-                    <a:lstStyle/>
-                    <a:p>
-                      <a:r>
-                        <a:t>0.511</a:t>
-                      </a:r>
-                    </a:p>
-                  </a:txBody>
-                  <a:tcPr/>
-                </a:tc>
-                <a:tc>
-                  <a:txBody>
-                    <a:bodyPr/>
-                    <a:lstStyle/>
-                    <a:p>
-                      <a:r>
-                        <a:t>0.561</a:t>
-                      </a:r>
-                    </a:p>
-                  </a:txBody>
-                  <a:tcPr/>
-                </a:tc>
-              </a:tr>
-              <a:tr h="457200">
-                <a:tc>
-                  <a:txBody>
-                    <a:bodyPr/>
-                    <a:lstStyle/>
-                    <a:p>
-                      <a:r>
-                        <a:t>Test F1</a:t>
-                      </a:r>
-                    </a:p>
-                  </a:txBody>
-                  <a:tcPr/>
-                </a:tc>
-                <a:tc>
-                  <a:txBody>
-                    <a:bodyPr/>
-                    <a:lstStyle/>
-                    <a:p>
-                      <a:r>
-                        <a:t>0.545</a:t>
-                      </a:r>
-                    </a:p>
-                  </a:txBody>
-                  <a:tcPr/>
-                </a:tc>
-                <a:tc>
-                  <a:txBody>
-                    <a:bodyPr/>
-                    <a:lstStyle/>
-                    <a:p>
-                      <a:r>
-                        <a:t>0.544</a:t>
-                      </a:r>
-                    </a:p>
-                  </a:txBody>
-                  <a:tcPr/>
-                </a:tc>
-              </a:tr>
-            </a:tbl>
-          </a:graphicData>
-        </a:graphic>
-      </p:graphicFrame>
+        </p:nvPicPr>
+        <p:blipFill>
+          <a:blip r:embed="rId2"/>
+          <a:stretch>
+            <a:fillRect/>
+          </a:stretch>
+        </p:blipFill>
+        <p:spPr>
+          <a:xfrm>
+            <a:off x="685800" y="1097280"/>
+            <a:ext cx="7772400" cy="4663440"/>
+          </a:xfrm>
+          <a:prstGeom prst="rect">
+            <a:avLst/>
+          </a:prstGeom>
+        </p:spPr>
+      </p:pic>
     </p:spTree>
   </p:cSld>
   <p:clrMapOvr>
@@ -3716,112 +5198,35 @@
           <a:lstStyle/>
           <a:p>
             <a:r>
-              <a:t>XGBoost Tuning</a:t>
-            </a:r>
-          </a:p>
-        </p:txBody>
-      </p:sp>
-      <p:sp>
-        <p:nvSpPr>
-          <p:cNvPr id="3" name="Content Placeholder 2"/>
-          <p:cNvSpPr>
-            <a:spLocks noGrp="1"/>
-          </p:cNvSpPr>
-          <p:nvPr>
-            <p:ph idx="1"/>
-          </p:nvPr>
-        </p:nvSpPr>
-        <p:spPr/>
-        <p:txBody>
-          <a:bodyPr/>
-          <a:lstStyle/>
-          <a:p/>
-          <a:p>
-            <a:r>
-              <a:t>Randomized search (iterations: 40, scoring: average_precision)</a:t>
-            </a:r>
-          </a:p>
-          <a:p>
-            <a:r>
-              <a:t>Baseline validation average_precision: 0.507</a:t>
-            </a:r>
-          </a:p>
-          <a:p>
-            <a:r>
-              <a:t>Best CV average_precision: 0.529</a:t>
-            </a:r>
-          </a:p>
-          <a:p>
-            <a:r>
-              <a:t>Validation average_precision after tuning: 0.520</a:t>
-            </a:r>
-          </a:p>
-          <a:p>
-            <a:r>
-              <a:t>Status: Tuned parameters accepted</a:t>
-            </a:r>
-          </a:p>
-          <a:p>
-            <a:r>
-              <a:t>Key parameters:</a:t>
-            </a:r>
-          </a:p>
-          <a:p>
-            <a:pPr lvl="1"/>
-            <a:r>
-              <a:t>colsample_bytree = 0.6980</a:t>
-            </a:r>
-          </a:p>
-          <a:p>
-            <a:pPr lvl="1"/>
-            <a:r>
-              <a:t>gamma = 0.1857</a:t>
-            </a:r>
-          </a:p>
-          <a:p>
-            <a:pPr lvl="1"/>
-            <a:r>
-              <a:t>learning_rate = 0.0541</a:t>
-            </a:r>
-          </a:p>
-          <a:p>
-            <a:pPr lvl="1"/>
-            <a:r>
-              <a:t>max_depth = 6</a:t>
-            </a:r>
-          </a:p>
-          <a:p>
-            <a:pPr lvl="1"/>
-            <a:r>
-              <a:t>min_child_weight = 1.4356</a:t>
-            </a:r>
-          </a:p>
-          <a:p>
-            <a:pPr lvl="1"/>
-            <a:r>
-              <a:t>n_estimators = 448</a:t>
-            </a:r>
-          </a:p>
-          <a:p>
-            <a:pPr lvl="1"/>
-            <a:r>
-              <a:t>reg_alpha = 0.0002</a:t>
-            </a:r>
-          </a:p>
-          <a:p>
-            <a:pPr lvl="1"/>
-            <a:r>
-              <a:t>reg_lambda = 3.9463</a:t>
-            </a:r>
-          </a:p>
-          <a:p>
-            <a:pPr lvl="1"/>
-            <a:r>
-              <a:t>subsample = 0.8751</a:t>
-            </a:r>
-          </a:p>
-        </p:txBody>
-      </p:sp>
+              <a:t>Brier Score Comparison</a:t>
+            </a:r>
+          </a:p>
+        </p:txBody>
+      </p:sp>
+      <p:pic>
+        <p:nvPicPr>
+          <p:cNvPr id="3" name="Picture 2" descr="brier_score_comparison.png"/>
+          <p:cNvPicPr>
+            <a:picLocks noChangeAspect="1"/>
+          </p:cNvPicPr>
+          <p:nvPr/>
+        </p:nvPicPr>
+        <p:blipFill>
+          <a:blip r:embed="rId2"/>
+          <a:stretch>
+            <a:fillRect/>
+          </a:stretch>
+        </p:blipFill>
+        <p:spPr>
+          <a:xfrm>
+            <a:off x="685800" y="1097280"/>
+            <a:ext cx="7772400" cy="6477000"/>
+          </a:xfrm>
+          <a:prstGeom prst="rect">
+            <a:avLst/>
+          </a:prstGeom>
+        </p:spPr>
+      </p:pic>
     </p:spTree>
   </p:cSld>
   <p:clrMapOvr>
@@ -3856,48 +5261,161 @@
           <a:lstStyle/>
           <a:p>
             <a:r>
-              <a:t>Next Steps</a:t>
-            </a:r>
-          </a:p>
-        </p:txBody>
-      </p:sp>
-      <p:sp>
-        <p:nvSpPr>
-          <p:cNvPr id="3" name="Content Placeholder 2"/>
-          <p:cNvSpPr>
-            <a:spLocks noGrp="1"/>
-          </p:cNvSpPr>
-          <p:nvPr>
-            <p:ph idx="1"/>
+              <a:t>ROC Curve Comparison</a:t>
+            </a:r>
+          </a:p>
+        </p:txBody>
+      </p:sp>
+      <p:pic>
+        <p:nvPicPr>
+          <p:cNvPr id="3" name="Picture 2" descr="roc_comparison.png"/>
+          <p:cNvPicPr>
+            <a:picLocks noChangeAspect="1"/>
+          </p:cNvPicPr>
+          <p:nvPr/>
+        </p:nvPicPr>
+        <p:blipFill>
+          <a:blip r:embed="rId2"/>
+          <a:stretch>
+            <a:fillRect/>
+          </a:stretch>
+        </p:blipFill>
+        <p:spPr>
+          <a:xfrm>
+            <a:off x="685800" y="1097280"/>
+            <a:ext cx="7772400" cy="7772400"/>
+          </a:xfrm>
+          <a:prstGeom prst="rect">
+            <a:avLst/>
+          </a:prstGeom>
+        </p:spPr>
+      </p:pic>
+    </p:spTree>
+  </p:cSld>
+  <p:clrMapOvr>
+    <a:masterClrMapping/>
+  </p:clrMapOvr>
+</p:sld>
+</file>
+
+<file path=ppt/slides/slide8.xml><?xml version="1.0" encoding="utf-8"?>
+<p:sld xmlns:a="http://schemas.openxmlformats.org/drawingml/2006/main" xmlns:p="http://schemas.openxmlformats.org/presentationml/2006/main" xmlns:r="http://schemas.openxmlformats.org/officeDocument/2006/relationships">
+  <p:cSld>
+    <p:spTree>
+      <p:nvGrpSpPr>
+        <p:cNvPr id="1" name=""/>
+        <p:cNvGrpSpPr/>
+        <p:nvPr/>
+      </p:nvGrpSpPr>
+      <p:grpSpPr/>
+      <p:sp>
+        <p:nvSpPr>
+          <p:cNvPr id="2" name="Title 1"/>
+          <p:cNvSpPr>
+            <a:spLocks noGrp="1"/>
+          </p:cNvSpPr>
+          <p:nvPr>
+            <p:ph type="title"/>
           </p:nvPr>
         </p:nvSpPr>
         <p:spPr/>
         <p:txBody>
           <a:bodyPr/>
           <a:lstStyle/>
-          <a:p/>
-          <a:p>
-            <a:r>
-              <a:t>Assess calibration and threshold tuning for deployment scenarios</a:t>
-            </a:r>
-          </a:p>
-          <a:p>
-            <a:r>
-              <a:t>Investigate interaction features and temporal covariates</a:t>
-            </a:r>
-          </a:p>
-          <a:p>
-            <a:r>
-              <a:t>Expand validation with recent missions to monitor drift</a:t>
-            </a:r>
-          </a:p>
-          <a:p>
-            <a:r>
-              <a:t>Package pipelines into reproducible scoring service</a:t>
-            </a:r>
-          </a:p>
-        </p:txBody>
-      </p:sp>
+          <a:p>
+            <a:r>
+              <a:t>Precision-Recall Curve</a:t>
+            </a:r>
+          </a:p>
+        </p:txBody>
+      </p:sp>
+      <p:pic>
+        <p:nvPicPr>
+          <p:cNvPr id="3" name="Picture 2" descr="pr_comparison.png"/>
+          <p:cNvPicPr>
+            <a:picLocks noChangeAspect="1"/>
+          </p:cNvPicPr>
+          <p:nvPr/>
+        </p:nvPicPr>
+        <p:blipFill>
+          <a:blip r:embed="rId2"/>
+          <a:stretch>
+            <a:fillRect/>
+          </a:stretch>
+        </p:blipFill>
+        <p:spPr>
+          <a:xfrm>
+            <a:off x="685800" y="1097280"/>
+            <a:ext cx="7772400" cy="7772400"/>
+          </a:xfrm>
+          <a:prstGeom prst="rect">
+            <a:avLst/>
+          </a:prstGeom>
+        </p:spPr>
+      </p:pic>
+    </p:spTree>
+  </p:cSld>
+  <p:clrMapOvr>
+    <a:masterClrMapping/>
+  </p:clrMapOvr>
+</p:sld>
+</file>
+
+<file path=ppt/slides/slide9.xml><?xml version="1.0" encoding="utf-8"?>
+<p:sld xmlns:a="http://schemas.openxmlformats.org/drawingml/2006/main" xmlns:p="http://schemas.openxmlformats.org/presentationml/2006/main" xmlns:r="http://schemas.openxmlformats.org/officeDocument/2006/relationships">
+  <p:cSld>
+    <p:spTree>
+      <p:nvGrpSpPr>
+        <p:cNvPr id="1" name=""/>
+        <p:cNvGrpSpPr/>
+        <p:nvPr/>
+      </p:nvGrpSpPr>
+      <p:grpSpPr/>
+      <p:sp>
+        <p:nvSpPr>
+          <p:cNvPr id="2" name="Title 1"/>
+          <p:cNvSpPr>
+            <a:spLocks noGrp="1"/>
+          </p:cNvSpPr>
+          <p:nvPr>
+            <p:ph type="title"/>
+          </p:nvPr>
+        </p:nvSpPr>
+        <p:spPr/>
+        <p:txBody>
+          <a:bodyPr/>
+          <a:lstStyle/>
+          <a:p>
+            <a:r>
+              <a:t>Calibration Curve</a:t>
+            </a:r>
+          </a:p>
+        </p:txBody>
+      </p:sp>
+      <p:pic>
+        <p:nvPicPr>
+          <p:cNvPr id="3" name="Picture 2" descr="calibration_curve.png"/>
+          <p:cNvPicPr>
+            <a:picLocks noChangeAspect="1"/>
+          </p:cNvPicPr>
+          <p:nvPr/>
+        </p:nvPicPr>
+        <p:blipFill>
+          <a:blip r:embed="rId2"/>
+          <a:stretch>
+            <a:fillRect/>
+          </a:stretch>
+        </p:blipFill>
+        <p:spPr>
+          <a:xfrm>
+            <a:off x="685800" y="1097280"/>
+            <a:ext cx="7772400" cy="7772400"/>
+          </a:xfrm>
+          <a:prstGeom prst="rect">
+            <a:avLst/>
+          </a:prstGeom>
+        </p:spPr>
+      </p:pic>
     </p:spTree>
   </p:cSld>
   <p:clrMapOvr>

--- a/analgesia/predictor/artifacts/Analgesia_Prediction_Summary.pptx
+++ b/analgesia/predictor/artifacts/Analgesia_Prediction_Summary.pptx
@@ -4079,31 +4079,31 @@
                     <a:lstStyle/>
                     <a:p>
                       <a:r>
-                        <a:t>0.799</a:t>
-                      </a:r>
-                    </a:p>
-                  </a:txBody>
-                  <a:tcPr/>
-                </a:tc>
-                <a:tc>
-                  <a:txBody>
-                    <a:bodyPr/>
-                    <a:lstStyle/>
-                    <a:p>
-                      <a:r>
-                        <a:t>0.651</a:t>
-                      </a:r>
-                    </a:p>
-                  </a:txBody>
-                  <a:tcPr/>
-                </a:tc>
-                <a:tc>
-                  <a:txBody>
-                    <a:bodyPr/>
-                    <a:lstStyle/>
-                    <a:p>
-                      <a:r>
-                        <a:t>0.651</a:t>
+                        <a:t>0.800</a:t>
+                      </a:r>
+                    </a:p>
+                  </a:txBody>
+                  <a:tcPr/>
+                </a:tc>
+                <a:tc>
+                  <a:txBody>
+                    <a:bodyPr/>
+                    <a:lstStyle/>
+                    <a:p>
+                      <a:r>
+                        <a:t>0.652</a:t>
+                      </a:r>
+                    </a:p>
+                  </a:txBody>
+                  <a:tcPr/>
+                </a:tc>
+                <a:tc>
+                  <a:txBody>
+                    <a:bodyPr/>
+                    <a:lstStyle/>
+                    <a:p>
+                      <a:r>
+                        <a:t>0.653</a:t>
                       </a:r>
                     </a:p>
                   </a:txBody>
@@ -4139,31 +4139,31 @@
                     <a:lstStyle/>
                     <a:p>
                       <a:r>
-                        <a:t>0.738</a:t>
-                      </a:r>
-                    </a:p>
-                  </a:txBody>
-                  <a:tcPr/>
-                </a:tc>
-                <a:tc>
-                  <a:txBody>
-                    <a:bodyPr/>
-                    <a:lstStyle/>
-                    <a:p>
-                      <a:r>
-                        <a:t>0.630</a:t>
-                      </a:r>
-                    </a:p>
-                  </a:txBody>
-                  <a:tcPr/>
-                </a:tc>
-                <a:tc>
-                  <a:txBody>
-                    <a:bodyPr/>
-                    <a:lstStyle/>
-                    <a:p>
-                      <a:r>
-                        <a:t>0.186</a:t>
+                        <a:t>0.742</a:t>
+                      </a:r>
+                    </a:p>
+                  </a:txBody>
+                  <a:tcPr/>
+                </a:tc>
+                <a:tc>
+                  <a:txBody>
+                    <a:bodyPr/>
+                    <a:lstStyle/>
+                    <a:p>
+                      <a:r>
+                        <a:t>0.631</a:t>
+                      </a:r>
+                    </a:p>
+                  </a:txBody>
+                  <a:tcPr/>
+                </a:tc>
+                <a:tc>
+                  <a:txBody>
+                    <a:bodyPr/>
+                    <a:lstStyle/>
+                    <a:p>
+                      <a:r>
+                        <a:t>0.185</a:t>
                       </a:r>
                     </a:p>
                   </a:txBody>
@@ -4201,55 +4201,55 @@
                     <a:lstStyle/>
                     <a:p>
                       <a:r>
-                        <a:t>0.682</a:t>
-                      </a:r>
-                    </a:p>
-                  </a:txBody>
-                  <a:tcPr/>
-                </a:tc>
-                <a:tc>
-                  <a:txBody>
-                    <a:bodyPr/>
-                    <a:lstStyle/>
-                    <a:p>
-                      <a:r>
-                        <a:t>0.483</a:t>
-                      </a:r>
-                    </a:p>
-                  </a:txBody>
-                  <a:tcPr/>
-                </a:tc>
-                <a:tc>
-                  <a:txBody>
-                    <a:bodyPr/>
-                    <a:lstStyle/>
-                    <a:p>
-                      <a:r>
-                        <a:t>0.485</a:t>
-                      </a:r>
-                    </a:p>
-                  </a:txBody>
-                  <a:tcPr/>
-                </a:tc>
-                <a:tc>
-                  <a:txBody>
-                    <a:bodyPr/>
-                    <a:lstStyle/>
-                    <a:p>
-                      <a:r>
-                        <a:t>0.651</a:t>
-                      </a:r>
-                    </a:p>
-                  </a:txBody>
-                  <a:tcPr/>
-                </a:tc>
-                <a:tc>
-                  <a:txBody>
-                    <a:bodyPr/>
-                    <a:lstStyle/>
-                    <a:p>
-                      <a:r>
-                        <a:t>0.466</a:t>
+                        <a:t>0.676</a:t>
+                      </a:r>
+                    </a:p>
+                  </a:txBody>
+                  <a:tcPr/>
+                </a:tc>
+                <a:tc>
+                  <a:txBody>
+                    <a:bodyPr/>
+                    <a:lstStyle/>
+                    <a:p>
+                      <a:r>
+                        <a:t>0.477</a:t>
+                      </a:r>
+                    </a:p>
+                  </a:txBody>
+                  <a:tcPr/>
+                </a:tc>
+                <a:tc>
+                  <a:txBody>
+                    <a:bodyPr/>
+                    <a:lstStyle/>
+                    <a:p>
+                      <a:r>
+                        <a:t>0.479</a:t>
+                      </a:r>
+                    </a:p>
+                  </a:txBody>
+                  <a:tcPr/>
+                </a:tc>
+                <a:tc>
+                  <a:txBody>
+                    <a:bodyPr/>
+                    <a:lstStyle/>
+                    <a:p>
+                      <a:r>
+                        <a:t>0.644</a:t>
+                      </a:r>
+                    </a:p>
+                  </a:txBody>
+                  <a:tcPr/>
+                </a:tc>
+                <a:tc>
+                  <a:txBody>
+                    <a:bodyPr/>
+                    <a:lstStyle/>
+                    <a:p>
+                      <a:r>
+                        <a:t>0.459</a:t>
                       </a:r>
                     </a:p>
                   </a:txBody>
@@ -4273,19 +4273,19 @@
                     <a:lstStyle/>
                     <a:p>
                       <a:r>
-                        <a:t>0.522</a:t>
-                      </a:r>
-                    </a:p>
-                  </a:txBody>
-                  <a:tcPr/>
-                </a:tc>
-                <a:tc>
-                  <a:txBody>
-                    <a:bodyPr/>
-                    <a:lstStyle/>
-                    <a:p>
-                      <a:r>
-                        <a:t>0.223</a:t>
+                        <a:t>0.518</a:t>
+                      </a:r>
+                    </a:p>
+                  </a:txBody>
+                  <a:tcPr/>
+                </a:tc>
+                <a:tc>
+                  <a:txBody>
+                    <a:bodyPr/>
+                    <a:lstStyle/>
+                    <a:p>
+                      <a:r>
+                        <a:t>0.224</a:t>
                       </a:r>
                     </a:p>
                   </a:txBody>
@@ -4323,55 +4323,55 @@
                     <a:lstStyle/>
                     <a:p>
                       <a:r>
-                        <a:t>0.674</a:t>
-                      </a:r>
-                    </a:p>
-                  </a:txBody>
-                  <a:tcPr/>
-                </a:tc>
-                <a:tc>
-                  <a:txBody>
-                    <a:bodyPr/>
-                    <a:lstStyle/>
-                    <a:p>
-                      <a:r>
-                        <a:t>0.461</a:t>
-                      </a:r>
-                    </a:p>
-                  </a:txBody>
-                  <a:tcPr/>
-                </a:tc>
-                <a:tc>
-                  <a:txBody>
-                    <a:bodyPr/>
-                    <a:lstStyle/>
-                    <a:p>
-                      <a:r>
-                        <a:t>0.463</a:t>
-                      </a:r>
-                    </a:p>
-                  </a:txBody>
-                  <a:tcPr/>
-                </a:tc>
-                <a:tc>
-                  <a:txBody>
-                    <a:bodyPr/>
-                    <a:lstStyle/>
-                    <a:p>
-                      <a:r>
-                        <a:t>0.628</a:t>
-                      </a:r>
-                    </a:p>
-                  </a:txBody>
-                  <a:tcPr/>
-                </a:tc>
-                <a:tc>
-                  <a:txBody>
-                    <a:bodyPr/>
-                    <a:lstStyle/>
-                    <a:p>
-                      <a:r>
-                        <a:t>0.445</a:t>
+                        <a:t>0.669</a:t>
+                      </a:r>
+                    </a:p>
+                  </a:txBody>
+                  <a:tcPr/>
+                </a:tc>
+                <a:tc>
+                  <a:txBody>
+                    <a:bodyPr/>
+                    <a:lstStyle/>
+                    <a:p>
+                      <a:r>
+                        <a:t>0.453</a:t>
+                      </a:r>
+                    </a:p>
+                  </a:txBody>
+                  <a:tcPr/>
+                </a:tc>
+                <a:tc>
+                  <a:txBody>
+                    <a:bodyPr/>
+                    <a:lstStyle/>
+                    <a:p>
+                      <a:r>
+                        <a:t>0.455</a:t>
+                      </a:r>
+                    </a:p>
+                  </a:txBody>
+                  <a:tcPr/>
+                </a:tc>
+                <a:tc>
+                  <a:txBody>
+                    <a:bodyPr/>
+                    <a:lstStyle/>
+                    <a:p>
+                      <a:r>
+                        <a:t>0.633</a:t>
+                      </a:r>
+                    </a:p>
+                  </a:txBody>
+                  <a:tcPr/>
+                </a:tc>
+                <a:tc>
+                  <a:txBody>
+                    <a:bodyPr/>
+                    <a:lstStyle/>
+                    <a:p>
+                      <a:r>
+                        <a:t>0.451</a:t>
                       </a:r>
                     </a:p>
                   </a:txBody>
@@ -4395,19 +4395,19 @@
                     <a:lstStyle/>
                     <a:p>
                       <a:r>
-                        <a:t>0.524</a:t>
-                      </a:r>
-                    </a:p>
-                  </a:txBody>
-                  <a:tcPr/>
-                </a:tc>
-                <a:tc>
-                  <a:txBody>
-                    <a:bodyPr/>
-                    <a:lstStyle/>
-                    <a:p>
-                      <a:r>
-                        <a:t>0.230</a:t>
+                        <a:t>0.528</a:t>
+                      </a:r>
+                    </a:p>
+                  </a:txBody>
+                  <a:tcPr/>
+                </a:tc>
+                <a:tc>
+                  <a:txBody>
+                    <a:bodyPr/>
+                    <a:lstStyle/>
+                    <a:p>
+                      <a:r>
+                        <a:t>0.232</a:t>
                       </a:r>
                     </a:p>
                   </a:txBody>
@@ -4457,79 +4457,79 @@
                     <a:lstStyle/>
                     <a:p>
                       <a:r>
-                        <a:t>0.865</a:t>
-                      </a:r>
-                    </a:p>
-                  </a:txBody>
-                  <a:tcPr/>
-                </a:tc>
-                <a:tc>
-                  <a:txBody>
-                    <a:bodyPr/>
-                    <a:lstStyle/>
-                    <a:p>
-                      <a:r>
-                        <a:t>0.865</a:t>
-                      </a:r>
-                    </a:p>
-                  </a:txBody>
-                  <a:tcPr/>
-                </a:tc>
-                <a:tc>
-                  <a:txBody>
-                    <a:bodyPr/>
-                    <a:lstStyle/>
-                    <a:p>
-                      <a:r>
-                        <a:t>0.836</a:t>
-                      </a:r>
-                    </a:p>
-                  </a:txBody>
-                  <a:tcPr/>
-                </a:tc>
-                <a:tc>
-                  <a:txBody>
-                    <a:bodyPr/>
-                    <a:lstStyle/>
-                    <a:p>
-                      <a:r>
-                        <a:t>0.695</a:t>
-                      </a:r>
-                    </a:p>
-                  </a:txBody>
-                  <a:tcPr/>
-                </a:tc>
-                <a:tc>
-                  <a:txBody>
-                    <a:bodyPr/>
-                    <a:lstStyle/>
-                    <a:p>
-                      <a:r>
-                        <a:t>0.874</a:t>
-                      </a:r>
-                    </a:p>
-                  </a:txBody>
-                  <a:tcPr/>
-                </a:tc>
-                <a:tc>
-                  <a:txBody>
-                    <a:bodyPr/>
-                    <a:lstStyle/>
-                    <a:p>
-                      <a:r>
-                        <a:t>0.774</a:t>
-                      </a:r>
-                    </a:p>
-                  </a:txBody>
-                  <a:tcPr/>
-                </a:tc>
-                <a:tc>
-                  <a:txBody>
-                    <a:bodyPr/>
-                    <a:lstStyle/>
-                    <a:p>
-                      <a:r>
-                        <a:t>0.136</a:t>
+                        <a:t>0.862</a:t>
+                      </a:r>
+                    </a:p>
+                  </a:txBody>
+                  <a:tcPr/>
+                </a:tc>
+                <a:tc>
+                  <a:txBody>
+                    <a:bodyPr/>
+                    <a:lstStyle/>
+                    <a:p>
+                      <a:r>
+                        <a:t>0.862</a:t>
+                      </a:r>
+                    </a:p>
+                  </a:txBody>
+                  <a:tcPr/>
+                </a:tc>
+                <a:tc>
+                  <a:txBody>
+                    <a:bodyPr/>
+                    <a:lstStyle/>
+                    <a:p>
+                      <a:r>
+                        <a:t>0.834</a:t>
+                      </a:r>
+                    </a:p>
+                  </a:txBody>
+                  <a:tcPr/>
+                </a:tc>
+                <a:tc>
+                  <a:txBody>
+                    <a:bodyPr/>
+                    <a:lstStyle/>
+                    <a:p>
+                      <a:r>
+                        <a:t>0.694</a:t>
+                      </a:r>
+                    </a:p>
+                  </a:txBody>
+                  <a:tcPr/>
+                </a:tc>
+                <a:tc>
+                  <a:txBody>
+                    <a:bodyPr/>
+                    <a:lstStyle/>
+                    <a:p>
+                      <a:r>
+                        <a:t>0.867</a:t>
+                      </a:r>
+                    </a:p>
+                  </a:txBody>
+                  <a:tcPr/>
+                </a:tc>
+                <a:tc>
+                  <a:txBody>
+                    <a:bodyPr/>
+                    <a:lstStyle/>
+                    <a:p>
+                      <a:r>
+                        <a:t>0.771</a:t>
+                      </a:r>
+                    </a:p>
+                  </a:txBody>
+                  <a:tcPr/>
+                </a:tc>
+                <a:tc>
+                  <a:txBody>
+                    <a:bodyPr/>
+                    <a:lstStyle/>
+                    <a:p>
+                      <a:r>
+                        <a:t>0.137</a:t>
                       </a:r>
                     </a:p>
                   </a:txBody>
@@ -4567,55 +4567,55 @@
                     <a:lstStyle/>
                     <a:p>
                       <a:r>
-                        <a:t>0.719</a:t>
-                      </a:r>
-                    </a:p>
-                  </a:txBody>
-                  <a:tcPr/>
-                </a:tc>
-                <a:tc>
-                  <a:txBody>
-                    <a:bodyPr/>
-                    <a:lstStyle/>
-                    <a:p>
-                      <a:r>
-                        <a:t>0.542</a:t>
-                      </a:r>
-                    </a:p>
-                  </a:txBody>
-                  <a:tcPr/>
-                </a:tc>
-                <a:tc>
-                  <a:txBody>
-                    <a:bodyPr/>
-                    <a:lstStyle/>
-                    <a:p>
-                      <a:r>
-                        <a:t>0.545</a:t>
-                      </a:r>
-                    </a:p>
-                  </a:txBody>
-                  <a:tcPr/>
-                </a:tc>
-                <a:tc>
-                  <a:txBody>
-                    <a:bodyPr/>
-                    <a:lstStyle/>
-                    <a:p>
-                      <a:r>
-                        <a:t>0.674</a:t>
-                      </a:r>
-                    </a:p>
-                  </a:txBody>
-                  <a:tcPr/>
-                </a:tc>
-                <a:tc>
-                  <a:txBody>
-                    <a:bodyPr/>
-                    <a:lstStyle/>
-                    <a:p>
-                      <a:r>
-                        <a:t>0.494</a:t>
+                        <a:t>0.718</a:t>
+                      </a:r>
+                    </a:p>
+                  </a:txBody>
+                  <a:tcPr/>
+                </a:tc>
+                <a:tc>
+                  <a:txBody>
+                    <a:bodyPr/>
+                    <a:lstStyle/>
+                    <a:p>
+                      <a:r>
+                        <a:t>0.543</a:t>
+                      </a:r>
+                    </a:p>
+                  </a:txBody>
+                  <a:tcPr/>
+                </a:tc>
+                <a:tc>
+                  <a:txBody>
+                    <a:bodyPr/>
+                    <a:lstStyle/>
+                    <a:p>
+                      <a:r>
+                        <a:t>0.544</a:t>
+                      </a:r>
+                    </a:p>
+                  </a:txBody>
+                  <a:tcPr/>
+                </a:tc>
+                <a:tc>
+                  <a:txBody>
+                    <a:bodyPr/>
+                    <a:lstStyle/>
+                    <a:p>
+                      <a:r>
+                        <a:t>0.675</a:t>
+                      </a:r>
+                    </a:p>
+                  </a:txBody>
+                  <a:tcPr/>
+                </a:tc>
+                <a:tc>
+                  <a:txBody>
+                    <a:bodyPr/>
+                    <a:lstStyle/>
+                    <a:p>
+                      <a:r>
+                        <a:t>0.495</a:t>
                       </a:r>
                     </a:p>
                   </a:txBody>
@@ -4639,7 +4639,7 @@
                     <a:lstStyle/>
                     <a:p>
                       <a:r>
-                        <a:t>0.534</a:t>
+                        <a:t>0.535</a:t>
                       </a:r>
                     </a:p>
                   </a:txBody>
@@ -4689,91 +4689,91 @@
                     <a:lstStyle/>
                     <a:p>
                       <a:r>
-                        <a:t>0.725</a:t>
-                      </a:r>
-                    </a:p>
-                  </a:txBody>
-                  <a:tcPr/>
-                </a:tc>
-                <a:tc>
-                  <a:txBody>
-                    <a:bodyPr/>
-                    <a:lstStyle/>
-                    <a:p>
-                      <a:r>
-                        <a:t>0.544</a:t>
-                      </a:r>
-                    </a:p>
-                  </a:txBody>
-                  <a:tcPr/>
-                </a:tc>
-                <a:tc>
-                  <a:txBody>
-                    <a:bodyPr/>
-                    <a:lstStyle/>
-                    <a:p>
-                      <a:r>
-                        <a:t>0.547</a:t>
-                      </a:r>
-                    </a:p>
-                  </a:txBody>
-                  <a:tcPr/>
-                </a:tc>
-                <a:tc>
-                  <a:txBody>
-                    <a:bodyPr/>
-                    <a:lstStyle/>
-                    <a:p>
-                      <a:r>
-                        <a:t>0.687</a:t>
-                      </a:r>
-                    </a:p>
-                  </a:txBody>
-                  <a:tcPr/>
-                </a:tc>
-                <a:tc>
-                  <a:txBody>
-                    <a:bodyPr/>
-                    <a:lstStyle/>
-                    <a:p>
-                      <a:r>
-                        <a:t>0.511</a:t>
-                      </a:r>
-                    </a:p>
-                  </a:txBody>
-                  <a:tcPr/>
-                </a:tc>
-                <a:tc>
-                  <a:txBody>
-                    <a:bodyPr/>
-                    <a:lstStyle/>
-                    <a:p>
-                      <a:r>
-                        <a:t>0.637</a:t>
-                      </a:r>
-                    </a:p>
-                  </a:txBody>
-                  <a:tcPr/>
-                </a:tc>
-                <a:tc>
-                  <a:txBody>
-                    <a:bodyPr/>
-                    <a:lstStyle/>
-                    <a:p>
-                      <a:r>
-                        <a:t>0.567</a:t>
-                      </a:r>
-                    </a:p>
-                  </a:txBody>
-                  <a:tcPr/>
-                </a:tc>
-                <a:tc>
-                  <a:txBody>
-                    <a:bodyPr/>
-                    <a:lstStyle/>
-                    <a:p>
-                      <a:r>
-                        <a:t>0.204</a:t>
+                        <a:t>0.719</a:t>
+                      </a:r>
+                    </a:p>
+                  </a:txBody>
+                  <a:tcPr/>
+                </a:tc>
+                <a:tc>
+                  <a:txBody>
+                    <a:bodyPr/>
+                    <a:lstStyle/>
+                    <a:p>
+                      <a:r>
+                        <a:t>0.529</a:t>
+                      </a:r>
+                    </a:p>
+                  </a:txBody>
+                  <a:tcPr/>
+                </a:tc>
+                <a:tc>
+                  <a:txBody>
+                    <a:bodyPr/>
+                    <a:lstStyle/>
+                    <a:p>
+                      <a:r>
+                        <a:t>0.530</a:t>
+                      </a:r>
+                    </a:p>
+                  </a:txBody>
+                  <a:tcPr/>
+                </a:tc>
+                <a:tc>
+                  <a:txBody>
+                    <a:bodyPr/>
+                    <a:lstStyle/>
+                    <a:p>
+                      <a:r>
+                        <a:t>0.667</a:t>
+                      </a:r>
+                    </a:p>
+                  </a:txBody>
+                  <a:tcPr/>
+                </a:tc>
+                <a:tc>
+                  <a:txBody>
+                    <a:bodyPr/>
+                    <a:lstStyle/>
+                    <a:p>
+                      <a:r>
+                        <a:t>0.487</a:t>
+                      </a:r>
+                    </a:p>
+                  </a:txBody>
+                  <a:tcPr/>
+                </a:tc>
+                <a:tc>
+                  <a:txBody>
+                    <a:bodyPr/>
+                    <a:lstStyle/>
+                    <a:p>
+                      <a:r>
+                        <a:t>0.604</a:t>
+                      </a:r>
+                    </a:p>
+                  </a:txBody>
+                  <a:tcPr/>
+                </a:tc>
+                <a:tc>
+                  <a:txBody>
+                    <a:bodyPr/>
+                    <a:lstStyle/>
+                    <a:p>
+                      <a:r>
+                        <a:t>0.539</a:t>
+                      </a:r>
+                    </a:p>
+                  </a:txBody>
+                  <a:tcPr/>
+                </a:tc>
+                <a:tc>
+                  <a:txBody>
+                    <a:bodyPr/>
+                    <a:lstStyle/>
+                    <a:p>
+                      <a:r>
+                        <a:t>0.206</a:t>
                       </a:r>
                     </a:p>
                   </a:txBody>
@@ -4940,7 +4940,7 @@
                     <a:lstStyle/>
                     <a:p>
                       <a:r>
-                        <a:t>0.013</a:t>
+                        <a:t>0.014</a:t>
                       </a:r>
                     </a:p>
                   </a:txBody>
@@ -4990,7 +4990,7 @@
                     <a:lstStyle/>
                     <a:p>
                       <a:r>
-                        <a:t>0.028</a:t>
+                        <a:t>0.030</a:t>
                       </a:r>
                     </a:p>
                   </a:txBody>
@@ -5028,19 +5028,19 @@
                     <a:lstStyle/>
                     <a:p>
                       <a:r>
-                        <a:t>0.694</a:t>
-                      </a:r>
-                    </a:p>
-                  </a:txBody>
-                  <a:tcPr/>
-                </a:tc>
-                <a:tc>
-                  <a:txBody>
-                    <a:bodyPr/>
-                    <a:lstStyle/>
-                    <a:p>
-                      <a:r>
-                        <a:t>0.009</a:t>
+                        <a:t>0.701</a:t>
+                      </a:r>
+                    </a:p>
+                  </a:txBody>
+                  <a:tcPr/>
+                </a:tc>
+                <a:tc>
+                  <a:txBody>
+                    <a:bodyPr/>
+                    <a:lstStyle/>
+                    <a:p>
+                      <a:r>
+                        <a:t>0.007</a:t>
                       </a:r>
                     </a:p>
                   </a:txBody>
@@ -5078,19 +5078,19 @@
                     <a:lstStyle/>
                     <a:p>
                       <a:r>
-                        <a:t>0.517</a:t>
-                      </a:r>
-                    </a:p>
-                  </a:txBody>
-                  <a:tcPr/>
-                </a:tc>
-                <a:tc>
-                  <a:txBody>
-                    <a:bodyPr/>
-                    <a:lstStyle/>
-                    <a:p>
-                      <a:r>
-                        <a:t>0.022</a:t>
+                        <a:t>0.528</a:t>
+                      </a:r>
+                    </a:p>
+                  </a:txBody>
+                  <a:tcPr/>
+                </a:tc>
+                <a:tc>
+                  <a:txBody>
+                    <a:bodyPr/>
+                    <a:lstStyle/>
+                    <a:p>
+                      <a:r>
+                        <a:t>0.025</a:t>
                       </a:r>
                     </a:p>
                   </a:txBody>
